--- a/src/print_A3.pptx
+++ b/src/print_A3.pptx
@@ -10,6 +10,7 @@
     <p:sldId id="261" r:id="rId4"/>
     <p:sldId id="259" r:id="rId5"/>
     <p:sldId id="260" r:id="rId6"/>
+    <p:sldId id="263" r:id="rId7"/>
   </p:sldIdLst>
   <p:sldSz cx="7559675" cy="10439400"/>
   <p:notesSz cx="6858000" cy="9144000"/>
@@ -247,7 +248,7 @@
           <a:p>
             <a:fld id="{666437CF-6810-4A08-BF63-137A709DEE82}" type="datetimeFigureOut">
               <a:rPr lang="fr-FR" smtClean="0"/>
-              <a:t>13/12/2024</a:t>
+              <a:t>17/12/2024</a:t>
             </a:fld>
             <a:endParaRPr lang="fr-FR"/>
           </a:p>
@@ -417,7 +418,7 @@
           <a:p>
             <a:fld id="{666437CF-6810-4A08-BF63-137A709DEE82}" type="datetimeFigureOut">
               <a:rPr lang="fr-FR" smtClean="0"/>
-              <a:t>13/12/2024</a:t>
+              <a:t>17/12/2024</a:t>
             </a:fld>
             <a:endParaRPr lang="fr-FR"/>
           </a:p>
@@ -597,7 +598,7 @@
           <a:p>
             <a:fld id="{666437CF-6810-4A08-BF63-137A709DEE82}" type="datetimeFigureOut">
               <a:rPr lang="fr-FR" smtClean="0"/>
-              <a:t>13/12/2024</a:t>
+              <a:t>17/12/2024</a:t>
             </a:fld>
             <a:endParaRPr lang="fr-FR"/>
           </a:p>
@@ -767,7 +768,7 @@
           <a:p>
             <a:fld id="{666437CF-6810-4A08-BF63-137A709DEE82}" type="datetimeFigureOut">
               <a:rPr lang="fr-FR" smtClean="0"/>
-              <a:t>13/12/2024</a:t>
+              <a:t>17/12/2024</a:t>
             </a:fld>
             <a:endParaRPr lang="fr-FR"/>
           </a:p>
@@ -1011,7 +1012,7 @@
           <a:p>
             <a:fld id="{666437CF-6810-4A08-BF63-137A709DEE82}" type="datetimeFigureOut">
               <a:rPr lang="fr-FR" smtClean="0"/>
-              <a:t>13/12/2024</a:t>
+              <a:t>17/12/2024</a:t>
             </a:fld>
             <a:endParaRPr lang="fr-FR"/>
           </a:p>
@@ -1243,7 +1244,7 @@
           <a:p>
             <a:fld id="{666437CF-6810-4A08-BF63-137A709DEE82}" type="datetimeFigureOut">
               <a:rPr lang="fr-FR" smtClean="0"/>
-              <a:t>13/12/2024</a:t>
+              <a:t>17/12/2024</a:t>
             </a:fld>
             <a:endParaRPr lang="fr-FR"/>
           </a:p>
@@ -1610,7 +1611,7 @@
           <a:p>
             <a:fld id="{666437CF-6810-4A08-BF63-137A709DEE82}" type="datetimeFigureOut">
               <a:rPr lang="fr-FR" smtClean="0"/>
-              <a:t>13/12/2024</a:t>
+              <a:t>17/12/2024</a:t>
             </a:fld>
             <a:endParaRPr lang="fr-FR"/>
           </a:p>
@@ -1728,7 +1729,7 @@
           <a:p>
             <a:fld id="{666437CF-6810-4A08-BF63-137A709DEE82}" type="datetimeFigureOut">
               <a:rPr lang="fr-FR" smtClean="0"/>
-              <a:t>13/12/2024</a:t>
+              <a:t>17/12/2024</a:t>
             </a:fld>
             <a:endParaRPr lang="fr-FR"/>
           </a:p>
@@ -1823,7 +1824,7 @@
           <a:p>
             <a:fld id="{666437CF-6810-4A08-BF63-137A709DEE82}" type="datetimeFigureOut">
               <a:rPr lang="fr-FR" smtClean="0"/>
-              <a:t>13/12/2024</a:t>
+              <a:t>17/12/2024</a:t>
             </a:fld>
             <a:endParaRPr lang="fr-FR"/>
           </a:p>
@@ -2100,7 +2101,7 @@
           <a:p>
             <a:fld id="{666437CF-6810-4A08-BF63-137A709DEE82}" type="datetimeFigureOut">
               <a:rPr lang="fr-FR" smtClean="0"/>
-              <a:t>13/12/2024</a:t>
+              <a:t>17/12/2024</a:t>
             </a:fld>
             <a:endParaRPr lang="fr-FR"/>
           </a:p>
@@ -2357,7 +2358,7 @@
           <a:p>
             <a:fld id="{666437CF-6810-4A08-BF63-137A709DEE82}" type="datetimeFigureOut">
               <a:rPr lang="fr-FR" smtClean="0"/>
-              <a:t>13/12/2024</a:t>
+              <a:t>17/12/2024</a:t>
             </a:fld>
             <a:endParaRPr lang="fr-FR"/>
           </a:p>
@@ -2570,7 +2571,7 @@
           <a:p>
             <a:fld id="{666437CF-6810-4A08-BF63-137A709DEE82}" type="datetimeFigureOut">
               <a:rPr lang="fr-FR" smtClean="0"/>
-              <a:t>13/12/2024</a:t>
+              <a:t>17/12/2024</a:t>
             </a:fld>
             <a:endParaRPr lang="fr-FR"/>
           </a:p>
@@ -3690,8 +3691,8 @@
         </p:nvSpPr>
         <p:spPr>
           <a:xfrm rot="21237303">
-            <a:off x="2298864" y="2435989"/>
-            <a:ext cx="2752869" cy="923330"/>
+            <a:off x="1870574" y="2297491"/>
+            <a:ext cx="3609450" cy="1200329"/>
           </a:xfrm>
           <a:prstGeom prst="rect">
             <a:avLst/>
@@ -3722,7 +3723,7 @@
               </a:spcAft>
             </a:pPr>
             <a:r>
-              <a:rPr lang="fr-FR" sz="5400" dirty="0">
+              <a:rPr lang="fr-FR" sz="7200" dirty="0">
                 <a:solidFill>
                   <a:schemeClr val="bg1"/>
                 </a:solidFill>
@@ -4311,8 +4312,8 @@
         </p:nvSpPr>
         <p:spPr>
           <a:xfrm rot="21237303">
-            <a:off x="1340130" y="1581746"/>
-            <a:ext cx="4879414" cy="923330"/>
+            <a:off x="2188377" y="1381693"/>
+            <a:ext cx="3182923" cy="1323439"/>
           </a:xfrm>
           <a:prstGeom prst="rect">
             <a:avLst/>
@@ -4343,20 +4344,14 @@
               </a:spcAft>
             </a:pPr>
             <a:r>
-              <a:rPr lang="fr-FR" sz="5400">
+              <a:rPr lang="fr-FR" sz="8000" dirty="0">
                 <a:solidFill>
                   <a:schemeClr val="bg1"/>
                 </a:solidFill>
                 <a:latin typeface="Lexend"/>
               </a:rPr>
-              <a:t> Buffet Normand</a:t>
-            </a:r>
-            <a:endParaRPr lang="fr-FR" sz="5400" dirty="0">
-              <a:solidFill>
-                <a:schemeClr val="bg1"/>
-              </a:solidFill>
-              <a:latin typeface="Lexend"/>
-            </a:endParaRPr>
+              <a:t> Buffet </a:t>
+            </a:r>
           </a:p>
         </p:txBody>
       </p:sp>
@@ -4578,6 +4573,353 @@
     <p:extLst>
       <p:ext uri="{BB962C8B-B14F-4D97-AF65-F5344CB8AC3E}">
         <p14:creationId xmlns:p14="http://schemas.microsoft.com/office/powerpoint/2010/main" val="4289630359"/>
+      </p:ext>
+    </p:extLst>
+  </p:cSld>
+  <p:clrMapOvr>
+    <a:masterClrMapping/>
+  </p:clrMapOvr>
+</p:sld>
+</file>
+
+<file path=ppt/slides/slide6.xml><?xml version="1.0" encoding="utf-8"?>
+<p:sld xmlns:a="http://schemas.openxmlformats.org/drawingml/2006/main" xmlns:r="http://schemas.openxmlformats.org/officeDocument/2006/relationships" xmlns:p="http://schemas.openxmlformats.org/presentationml/2006/main">
+  <p:cSld>
+    <p:spTree>
+      <p:nvGrpSpPr>
+        <p:cNvPr id="1" name=""/>
+        <p:cNvGrpSpPr/>
+        <p:nvPr/>
+      </p:nvGrpSpPr>
+      <p:grpSpPr>
+        <a:xfrm>
+          <a:off x="0" y="0"/>
+          <a:ext cx="0" cy="0"/>
+          <a:chOff x="0" y="0"/>
+          <a:chExt cx="0" cy="0"/>
+        </a:xfrm>
+      </p:grpSpPr>
+      <p:pic>
+        <p:nvPicPr>
+          <p:cNvPr id="8" name="Picture 2">
+            <a:extLst>
+              <a:ext uri="{FF2B5EF4-FFF2-40B4-BE49-F238E27FC236}">
+                <a16:creationId xmlns:a16="http://schemas.microsoft.com/office/drawing/2014/main" id="{019A6991-FF2B-435B-B11D-E59ADE010E32}"/>
+              </a:ext>
+            </a:extLst>
+          </p:cNvPr>
+          <p:cNvPicPr>
+            <a:picLocks noChangeAspect="1" noChangeArrowheads="1"/>
+          </p:cNvPicPr>
+          <p:nvPr/>
+        </p:nvPicPr>
+        <p:blipFill rotWithShape="1">
+          <a:blip r:embed="rId2">
+            <a:alphaModFix amt="20000"/>
+            <a:extLst>
+              <a:ext uri="{28A0092B-C50C-407E-A947-70E740481C1C}">
+                <a14:useLocalDpi xmlns:a14="http://schemas.microsoft.com/office/drawing/2010/main" val="0"/>
+              </a:ext>
+            </a:extLst>
+          </a:blip>
+          <a:srcRect l="11456" t="7434" r="9695" b="7243"/>
+          <a:stretch/>
+        </p:blipFill>
+        <p:spPr bwMode="auto">
+          <a:xfrm rot="5400000">
+            <a:off x="-1426085" y="1453643"/>
+            <a:ext cx="10439402" cy="7532118"/>
+          </a:xfrm>
+          <a:prstGeom prst="rect">
+            <a:avLst/>
+          </a:prstGeom>
+          <a:noFill/>
+          <a:extLst>
+            <a:ext uri="{909E8E84-426E-40DD-AFC4-6F175D3DCCD1}">
+              <a14:hiddenFill xmlns:a14="http://schemas.microsoft.com/office/drawing/2010/main">
+                <a:solidFill>
+                  <a:srgbClr val="FFFFFF"/>
+                </a:solidFill>
+              </a14:hiddenFill>
+            </a:ext>
+          </a:extLst>
+        </p:spPr>
+      </p:pic>
+      <p:sp>
+        <p:nvSpPr>
+          <p:cNvPr id="19" name="ZoneTexte 18">
+            <a:extLst>
+              <a:ext uri="{FF2B5EF4-FFF2-40B4-BE49-F238E27FC236}">
+                <a16:creationId xmlns:a16="http://schemas.microsoft.com/office/drawing/2014/main" id="{421123BA-BB49-4177-B7DB-E4551E245846}"/>
+              </a:ext>
+            </a:extLst>
+          </p:cNvPr>
+          <p:cNvSpPr txBox="1"/>
+          <p:nvPr/>
+        </p:nvSpPr>
+        <p:spPr>
+          <a:xfrm rot="21237303">
+            <a:off x="1081983" y="1535580"/>
+            <a:ext cx="5395708" cy="1015663"/>
+          </a:xfrm>
+          <a:prstGeom prst="rect">
+            <a:avLst/>
+          </a:prstGeom>
+          <a:solidFill>
+            <a:srgbClr val="835B9B"/>
+          </a:solidFill>
+          <a:effectLst>
+            <a:outerShdw blurRad="50800" dist="38100" dir="8100000" algn="tr" rotWithShape="0">
+              <a:prstClr val="black">
+                <a:alpha val="40000"/>
+              </a:prstClr>
+            </a:outerShdw>
+          </a:effectLst>
+        </p:spPr>
+        <p:txBody>
+          <a:bodyPr wrap="none" rtlCol="0">
+            <a:spAutoFit/>
+          </a:bodyPr>
+          <a:lstStyle/>
+          <a:p>
+            <a:pPr algn="ctr" rtl="0">
+              <a:spcBef>
+                <a:spcPts val="0"/>
+              </a:spcBef>
+              <a:spcAft>
+                <a:spcPts val="0"/>
+              </a:spcAft>
+            </a:pPr>
+            <a:r>
+              <a:rPr lang="fr-FR" sz="6000" dirty="0">
+                <a:solidFill>
+                  <a:schemeClr val="bg1"/>
+                </a:solidFill>
+                <a:latin typeface="Lexend"/>
+              </a:rPr>
+              <a:t> Buffet Normand</a:t>
+            </a:r>
+          </a:p>
+        </p:txBody>
+      </p:sp>
+      <p:pic>
+        <p:nvPicPr>
+          <p:cNvPr id="40" name="Image 39">
+            <a:extLst>
+              <a:ext uri="{FF2B5EF4-FFF2-40B4-BE49-F238E27FC236}">
+                <a16:creationId xmlns:a16="http://schemas.microsoft.com/office/drawing/2014/main" id="{6B0EF4BF-5CBE-406E-8536-7B5455F27FF2}"/>
+              </a:ext>
+            </a:extLst>
+          </p:cNvPr>
+          <p:cNvPicPr>
+            <a:picLocks noChangeAspect="1"/>
+          </p:cNvPicPr>
+          <p:nvPr/>
+        </p:nvPicPr>
+        <p:blipFill>
+          <a:blip r:embed="rId3">
+            <a:extLst>
+              <a:ext uri="{28A0092B-C50C-407E-A947-70E740481C1C}">
+                <a14:useLocalDpi xmlns:a14="http://schemas.microsoft.com/office/drawing/2010/main" val="0"/>
+              </a:ext>
+            </a:extLst>
+          </a:blip>
+          <a:stretch>
+            <a:fillRect/>
+          </a:stretch>
+        </p:blipFill>
+        <p:spPr>
+          <a:xfrm>
+            <a:off x="5244417" y="2341968"/>
+            <a:ext cx="2020358" cy="2020358"/>
+          </a:xfrm>
+          <a:prstGeom prst="rect">
+            <a:avLst/>
+          </a:prstGeom>
+        </p:spPr>
+      </p:pic>
+      <p:sp>
+        <p:nvSpPr>
+          <p:cNvPr id="6" name="Forme libre : forme 5">
+            <a:extLst>
+              <a:ext uri="{FF2B5EF4-FFF2-40B4-BE49-F238E27FC236}">
+                <a16:creationId xmlns:a16="http://schemas.microsoft.com/office/drawing/2014/main" id="{4B3E7138-6E03-4142-B33A-161E4815BE7B}"/>
+              </a:ext>
+            </a:extLst>
+          </p:cNvPr>
+          <p:cNvSpPr/>
+          <p:nvPr/>
+        </p:nvSpPr>
+        <p:spPr>
+          <a:xfrm>
+            <a:off x="176947" y="-605642"/>
+            <a:ext cx="7684518" cy="12122634"/>
+          </a:xfrm>
+          <a:custGeom>
+            <a:avLst/>
+            <a:gdLst>
+              <a:gd name="connsiteX0" fmla="*/ 2031863 w 7684518"/>
+              <a:gd name="connsiteY0" fmla="*/ 0 h 12122634"/>
+              <a:gd name="connsiteX1" fmla="*/ 559323 w 7684518"/>
+              <a:gd name="connsiteY1" fmla="*/ 1900052 h 12122634"/>
+              <a:gd name="connsiteX2" fmla="*/ 1628102 w 7684518"/>
+              <a:gd name="connsiteY2" fmla="*/ 5427024 h 12122634"/>
+              <a:gd name="connsiteX3" fmla="*/ 72435 w 7684518"/>
+              <a:gd name="connsiteY3" fmla="*/ 11614068 h 12122634"/>
+              <a:gd name="connsiteX4" fmla="*/ 4430679 w 7684518"/>
+              <a:gd name="connsiteY4" fmla="*/ 11519065 h 12122634"/>
+              <a:gd name="connsiteX5" fmla="*/ 3445027 w 7684518"/>
+              <a:gd name="connsiteY5" fmla="*/ 9512136 h 12122634"/>
+              <a:gd name="connsiteX6" fmla="*/ 7684518 w 7684518"/>
+              <a:gd name="connsiteY6" fmla="*/ 6531429 h 12122634"/>
+            </a:gdLst>
+            <a:ahLst/>
+            <a:cxnLst>
+              <a:cxn ang="0">
+                <a:pos x="connsiteX0" y="connsiteY0"/>
+              </a:cxn>
+              <a:cxn ang="0">
+                <a:pos x="connsiteX1" y="connsiteY1"/>
+              </a:cxn>
+              <a:cxn ang="0">
+                <a:pos x="connsiteX2" y="connsiteY2"/>
+              </a:cxn>
+              <a:cxn ang="0">
+                <a:pos x="connsiteX3" y="connsiteY3"/>
+              </a:cxn>
+              <a:cxn ang="0">
+                <a:pos x="connsiteX4" y="connsiteY4"/>
+              </a:cxn>
+              <a:cxn ang="0">
+                <a:pos x="connsiteX5" y="connsiteY5"/>
+              </a:cxn>
+              <a:cxn ang="0">
+                <a:pos x="connsiteX6" y="connsiteY6"/>
+              </a:cxn>
+            </a:cxnLst>
+            <a:rect l="l" t="t" r="r" b="b"/>
+            <a:pathLst>
+              <a:path w="7684518" h="12122634">
+                <a:moveTo>
+                  <a:pt x="2031863" y="0"/>
+                </a:moveTo>
+                <a:cubicBezTo>
+                  <a:pt x="1329239" y="497774"/>
+                  <a:pt x="626616" y="995548"/>
+                  <a:pt x="559323" y="1900052"/>
+                </a:cubicBezTo>
+                <a:cubicBezTo>
+                  <a:pt x="492030" y="2804556"/>
+                  <a:pt x="1709250" y="3808021"/>
+                  <a:pt x="1628102" y="5427024"/>
+                </a:cubicBezTo>
+                <a:cubicBezTo>
+                  <a:pt x="1546954" y="7046027"/>
+                  <a:pt x="-394661" y="10598728"/>
+                  <a:pt x="72435" y="11614068"/>
+                </a:cubicBezTo>
+                <a:cubicBezTo>
+                  <a:pt x="539531" y="12629408"/>
+                  <a:pt x="3868580" y="11869387"/>
+                  <a:pt x="4430679" y="11519065"/>
+                </a:cubicBezTo>
+                <a:cubicBezTo>
+                  <a:pt x="4992778" y="11168743"/>
+                  <a:pt x="2902721" y="10343409"/>
+                  <a:pt x="3445027" y="9512136"/>
+                </a:cubicBezTo>
+                <a:cubicBezTo>
+                  <a:pt x="3987333" y="8680863"/>
+                  <a:pt x="6647406" y="7020297"/>
+                  <a:pt x="7684518" y="6531429"/>
+                </a:cubicBezTo>
+              </a:path>
+            </a:pathLst>
+          </a:custGeom>
+          <a:noFill/>
+          <a:ln w="76200">
+            <a:solidFill>
+              <a:srgbClr val="017F82">
+                <a:alpha val="50196"/>
+              </a:srgbClr>
+            </a:solidFill>
+          </a:ln>
+        </p:spPr>
+        <p:style>
+          <a:lnRef idx="2">
+            <a:schemeClr val="accent1">
+              <a:shade val="50000"/>
+            </a:schemeClr>
+          </a:lnRef>
+          <a:fillRef idx="1">
+            <a:schemeClr val="accent1"/>
+          </a:fillRef>
+          <a:effectRef idx="0">
+            <a:schemeClr val="accent1"/>
+          </a:effectRef>
+          <a:fontRef idx="minor">
+            <a:schemeClr val="lt1"/>
+          </a:fontRef>
+        </p:style>
+        <p:txBody>
+          <a:bodyPr rtlCol="0" anchor="ctr"/>
+          <a:lstStyle/>
+          <a:p>
+            <a:pPr algn="ctr"/>
+            <a:endParaRPr lang="fr-FR"/>
+          </a:p>
+        </p:txBody>
+      </p:sp>
+      <p:pic>
+        <p:nvPicPr>
+          <p:cNvPr id="7" name="Graphique 6">
+            <a:extLst>
+              <a:ext uri="{FF2B5EF4-FFF2-40B4-BE49-F238E27FC236}">
+                <a16:creationId xmlns:a16="http://schemas.microsoft.com/office/drawing/2014/main" id="{5E7F9316-6B06-4F18-B31C-5DC144A1616F}"/>
+              </a:ext>
+            </a:extLst>
+          </p:cNvPr>
+          <p:cNvPicPr>
+            <a:picLocks noChangeAspect="1"/>
+          </p:cNvPicPr>
+          <p:nvPr/>
+        </p:nvPicPr>
+        <p:blipFill>
+          <a:blip r:embed="rId4">
+            <a:extLst>
+              <a:ext uri="{28A0092B-C50C-407E-A947-70E740481C1C}">
+                <a14:useLocalDpi xmlns:a14="http://schemas.microsoft.com/office/drawing/2010/main" val="0"/>
+              </a:ext>
+              <a:ext uri="{96DAC541-7B7A-43D3-8B79-37D633B846F1}">
+                <asvg:svgBlip xmlns:asvg="http://schemas.microsoft.com/office/drawing/2016/SVG/main" r:embed="rId5"/>
+              </a:ext>
+            </a:extLst>
+          </a:blip>
+          <a:stretch>
+            <a:fillRect/>
+          </a:stretch>
+        </p:blipFill>
+        <p:spPr>
+          <a:xfrm>
+            <a:off x="1050577" y="3680794"/>
+            <a:ext cx="5204019" cy="5204019"/>
+          </a:xfrm>
+          <a:prstGeom prst="rect">
+            <a:avLst/>
+          </a:prstGeom>
+          <a:effectLst>
+            <a:outerShdw blurRad="50800" dist="38100" dir="2700000" algn="tl" rotWithShape="0">
+              <a:prstClr val="black">
+                <a:alpha val="40000"/>
+              </a:prstClr>
+            </a:outerShdw>
+          </a:effectLst>
+        </p:spPr>
+      </p:pic>
+    </p:spTree>
+    <p:extLst>
+      <p:ext uri="{BB962C8B-B14F-4D97-AF65-F5344CB8AC3E}">
+        <p14:creationId xmlns:p14="http://schemas.microsoft.com/office/powerpoint/2010/main" val="2680233770"/>
       </p:ext>
     </p:extLst>
   </p:cSld>

--- a/src/print_A3.pptx
+++ b/src/print_A3.pptx
@@ -11,6 +11,7 @@
     <p:sldId id="259" r:id="rId5"/>
     <p:sldId id="260" r:id="rId6"/>
     <p:sldId id="263" r:id="rId7"/>
+    <p:sldId id="264" r:id="rId8"/>
   </p:sldIdLst>
   <p:sldSz cx="7559675" cy="10439400"/>
   <p:notesSz cx="6858000" cy="9144000"/>
@@ -4929,6 +4930,492 @@
 </p:sld>
 </file>
 
+<file path=ppt/slides/slide7.xml><?xml version="1.0" encoding="utf-8"?>
+<p:sld xmlns:a="http://schemas.openxmlformats.org/drawingml/2006/main" xmlns:r="http://schemas.openxmlformats.org/officeDocument/2006/relationships" xmlns:p="http://schemas.openxmlformats.org/presentationml/2006/main">
+  <p:cSld>
+    <p:spTree>
+      <p:nvGrpSpPr>
+        <p:cNvPr id="1" name=""/>
+        <p:cNvGrpSpPr/>
+        <p:nvPr/>
+      </p:nvGrpSpPr>
+      <p:grpSpPr>
+        <a:xfrm>
+          <a:off x="0" y="0"/>
+          <a:ext cx="0" cy="0"/>
+          <a:chOff x="0" y="0"/>
+          <a:chExt cx="0" cy="0"/>
+        </a:xfrm>
+      </p:grpSpPr>
+      <p:sp>
+        <p:nvSpPr>
+          <p:cNvPr id="6" name="Forme libre : forme 5">
+            <a:extLst>
+              <a:ext uri="{FF2B5EF4-FFF2-40B4-BE49-F238E27FC236}">
+                <a16:creationId xmlns:a16="http://schemas.microsoft.com/office/drawing/2014/main" id="{4B3E7138-6E03-4142-B33A-161E4815BE7B}"/>
+              </a:ext>
+            </a:extLst>
+          </p:cNvPr>
+          <p:cNvSpPr/>
+          <p:nvPr/>
+        </p:nvSpPr>
+        <p:spPr>
+          <a:xfrm>
+            <a:off x="-62423" y="-699772"/>
+            <a:ext cx="7684518" cy="12122634"/>
+          </a:xfrm>
+          <a:custGeom>
+            <a:avLst/>
+            <a:gdLst>
+              <a:gd name="connsiteX0" fmla="*/ 2031863 w 7684518"/>
+              <a:gd name="connsiteY0" fmla="*/ 0 h 12122634"/>
+              <a:gd name="connsiteX1" fmla="*/ 559323 w 7684518"/>
+              <a:gd name="connsiteY1" fmla="*/ 1900052 h 12122634"/>
+              <a:gd name="connsiteX2" fmla="*/ 1628102 w 7684518"/>
+              <a:gd name="connsiteY2" fmla="*/ 5427024 h 12122634"/>
+              <a:gd name="connsiteX3" fmla="*/ 72435 w 7684518"/>
+              <a:gd name="connsiteY3" fmla="*/ 11614068 h 12122634"/>
+              <a:gd name="connsiteX4" fmla="*/ 4430679 w 7684518"/>
+              <a:gd name="connsiteY4" fmla="*/ 11519065 h 12122634"/>
+              <a:gd name="connsiteX5" fmla="*/ 3445027 w 7684518"/>
+              <a:gd name="connsiteY5" fmla="*/ 9512136 h 12122634"/>
+              <a:gd name="connsiteX6" fmla="*/ 7684518 w 7684518"/>
+              <a:gd name="connsiteY6" fmla="*/ 6531429 h 12122634"/>
+            </a:gdLst>
+            <a:ahLst/>
+            <a:cxnLst>
+              <a:cxn ang="0">
+                <a:pos x="connsiteX0" y="connsiteY0"/>
+              </a:cxn>
+              <a:cxn ang="0">
+                <a:pos x="connsiteX1" y="connsiteY1"/>
+              </a:cxn>
+              <a:cxn ang="0">
+                <a:pos x="connsiteX2" y="connsiteY2"/>
+              </a:cxn>
+              <a:cxn ang="0">
+                <a:pos x="connsiteX3" y="connsiteY3"/>
+              </a:cxn>
+              <a:cxn ang="0">
+                <a:pos x="connsiteX4" y="connsiteY4"/>
+              </a:cxn>
+              <a:cxn ang="0">
+                <a:pos x="connsiteX5" y="connsiteY5"/>
+              </a:cxn>
+              <a:cxn ang="0">
+                <a:pos x="connsiteX6" y="connsiteY6"/>
+              </a:cxn>
+            </a:cxnLst>
+            <a:rect l="l" t="t" r="r" b="b"/>
+            <a:pathLst>
+              <a:path w="7684518" h="12122634">
+                <a:moveTo>
+                  <a:pt x="2031863" y="0"/>
+                </a:moveTo>
+                <a:cubicBezTo>
+                  <a:pt x="1329239" y="497774"/>
+                  <a:pt x="626616" y="995548"/>
+                  <a:pt x="559323" y="1900052"/>
+                </a:cubicBezTo>
+                <a:cubicBezTo>
+                  <a:pt x="492030" y="2804556"/>
+                  <a:pt x="1709250" y="3808021"/>
+                  <a:pt x="1628102" y="5427024"/>
+                </a:cubicBezTo>
+                <a:cubicBezTo>
+                  <a:pt x="1546954" y="7046027"/>
+                  <a:pt x="-394661" y="10598728"/>
+                  <a:pt x="72435" y="11614068"/>
+                </a:cubicBezTo>
+                <a:cubicBezTo>
+                  <a:pt x="539531" y="12629408"/>
+                  <a:pt x="3868580" y="11869387"/>
+                  <a:pt x="4430679" y="11519065"/>
+                </a:cubicBezTo>
+                <a:cubicBezTo>
+                  <a:pt x="4992778" y="11168743"/>
+                  <a:pt x="2902721" y="10343409"/>
+                  <a:pt x="3445027" y="9512136"/>
+                </a:cubicBezTo>
+                <a:cubicBezTo>
+                  <a:pt x="3987333" y="8680863"/>
+                  <a:pt x="6647406" y="7020297"/>
+                  <a:pt x="7684518" y="6531429"/>
+                </a:cubicBezTo>
+              </a:path>
+            </a:pathLst>
+          </a:custGeom>
+          <a:noFill/>
+          <a:ln w="76200">
+            <a:solidFill>
+              <a:srgbClr val="F6AF34">
+                <a:alpha val="50196"/>
+              </a:srgbClr>
+            </a:solidFill>
+          </a:ln>
+        </p:spPr>
+        <p:style>
+          <a:lnRef idx="2">
+            <a:schemeClr val="accent1">
+              <a:shade val="50000"/>
+            </a:schemeClr>
+          </a:lnRef>
+          <a:fillRef idx="1">
+            <a:schemeClr val="accent1"/>
+          </a:fillRef>
+          <a:effectRef idx="0">
+            <a:schemeClr val="accent1"/>
+          </a:effectRef>
+          <a:fontRef idx="minor">
+            <a:schemeClr val="lt1"/>
+          </a:fontRef>
+        </p:style>
+        <p:txBody>
+          <a:bodyPr rtlCol="0" anchor="ctr"/>
+          <a:lstStyle/>
+          <a:p>
+            <a:pPr algn="ctr"/>
+            <a:endParaRPr lang="fr-FR"/>
+          </a:p>
+        </p:txBody>
+      </p:sp>
+      <p:sp>
+        <p:nvSpPr>
+          <p:cNvPr id="19" name="ZoneTexte 18">
+            <a:extLst>
+              <a:ext uri="{FF2B5EF4-FFF2-40B4-BE49-F238E27FC236}">
+                <a16:creationId xmlns:a16="http://schemas.microsoft.com/office/drawing/2014/main" id="{421123BA-BB49-4177-B7DB-E4551E245846}"/>
+              </a:ext>
+            </a:extLst>
+          </p:cNvPr>
+          <p:cNvSpPr txBox="1"/>
+          <p:nvPr/>
+        </p:nvSpPr>
+        <p:spPr>
+          <a:xfrm rot="21237303">
+            <a:off x="960080" y="969022"/>
+            <a:ext cx="4203267" cy="923330"/>
+          </a:xfrm>
+          <a:prstGeom prst="rect">
+            <a:avLst/>
+          </a:prstGeom>
+          <a:solidFill>
+            <a:srgbClr val="835B9B"/>
+          </a:solidFill>
+          <a:effectLst>
+            <a:outerShdw blurRad="50800" dist="38100" dir="8100000" algn="tr" rotWithShape="0">
+              <a:prstClr val="black">
+                <a:alpha val="40000"/>
+              </a:prstClr>
+            </a:outerShdw>
+          </a:effectLst>
+        </p:spPr>
+        <p:txBody>
+          <a:bodyPr wrap="none" rtlCol="0">
+            <a:spAutoFit/>
+          </a:bodyPr>
+          <a:lstStyle/>
+          <a:p>
+            <a:pPr algn="ctr" rtl="0">
+              <a:spcBef>
+                <a:spcPts val="0"/>
+              </a:spcBef>
+              <a:spcAft>
+                <a:spcPts val="0"/>
+              </a:spcAft>
+            </a:pPr>
+            <a:r>
+              <a:rPr lang="fr-FR" sz="5400" dirty="0" err="1">
+                <a:solidFill>
+                  <a:schemeClr val="bg1"/>
+                </a:solidFill>
+                <a:latin typeface="Lexend"/>
+              </a:rPr>
+              <a:t>Mister-Bioinfo</a:t>
+            </a:r>
+            <a:endParaRPr lang="fr-FR" sz="5400" dirty="0">
+              <a:solidFill>
+                <a:schemeClr val="bg1"/>
+              </a:solidFill>
+              <a:latin typeface="Lexend"/>
+            </a:endParaRPr>
+          </a:p>
+        </p:txBody>
+      </p:sp>
+      <p:pic>
+        <p:nvPicPr>
+          <p:cNvPr id="40" name="Image 39">
+            <a:extLst>
+              <a:ext uri="{FF2B5EF4-FFF2-40B4-BE49-F238E27FC236}">
+                <a16:creationId xmlns:a16="http://schemas.microsoft.com/office/drawing/2014/main" id="{6B0EF4BF-5CBE-406E-8536-7B5455F27FF2}"/>
+              </a:ext>
+            </a:extLst>
+          </p:cNvPr>
+          <p:cNvPicPr>
+            <a:picLocks noChangeAspect="1"/>
+          </p:cNvPicPr>
+          <p:nvPr/>
+        </p:nvPicPr>
+        <p:blipFill>
+          <a:blip r:embed="rId2">
+            <a:extLst>
+              <a:ext uri="{28A0092B-C50C-407E-A947-70E740481C1C}">
+                <a14:useLocalDpi xmlns:a14="http://schemas.microsoft.com/office/drawing/2010/main" val="0"/>
+              </a:ext>
+            </a:extLst>
+          </a:blip>
+          <a:stretch>
+            <a:fillRect/>
+          </a:stretch>
+        </p:blipFill>
+        <p:spPr>
+          <a:xfrm>
+            <a:off x="5278925" y="208670"/>
+            <a:ext cx="2020358" cy="2020358"/>
+          </a:xfrm>
+          <a:prstGeom prst="rect">
+            <a:avLst/>
+          </a:prstGeom>
+        </p:spPr>
+      </p:pic>
+      <p:sp>
+        <p:nvSpPr>
+          <p:cNvPr id="3" name="Rectangle 2">
+            <a:extLst>
+              <a:ext uri="{FF2B5EF4-FFF2-40B4-BE49-F238E27FC236}">
+                <a16:creationId xmlns:a16="http://schemas.microsoft.com/office/drawing/2014/main" id="{BC544441-A515-4D95-B6FC-F7FA3CB67FFE}"/>
+              </a:ext>
+            </a:extLst>
+          </p:cNvPr>
+          <p:cNvSpPr/>
+          <p:nvPr/>
+        </p:nvSpPr>
+        <p:spPr>
+          <a:xfrm>
+            <a:off x="471859" y="2513224"/>
+            <a:ext cx="6827424" cy="1815353"/>
+          </a:xfrm>
+          <a:prstGeom prst="rect">
+            <a:avLst/>
+          </a:prstGeom>
+          <a:solidFill>
+            <a:srgbClr val="017F82"/>
+          </a:solidFill>
+          <a:ln>
+            <a:noFill/>
+          </a:ln>
+          <a:effectLst>
+            <a:outerShdw blurRad="165100" dist="38100" dir="2700000" sx="101000" sy="101000" algn="tl" rotWithShape="0">
+              <a:prstClr val="black">
+                <a:alpha val="40000"/>
+              </a:prstClr>
+            </a:outerShdw>
+          </a:effectLst>
+        </p:spPr>
+        <p:style>
+          <a:lnRef idx="2">
+            <a:schemeClr val="accent1">
+              <a:shade val="50000"/>
+            </a:schemeClr>
+          </a:lnRef>
+          <a:fillRef idx="1">
+            <a:schemeClr val="accent1"/>
+          </a:fillRef>
+          <a:effectRef idx="0">
+            <a:schemeClr val="accent1"/>
+          </a:effectRef>
+          <a:fontRef idx="minor">
+            <a:schemeClr val="lt1"/>
+          </a:fontRef>
+        </p:style>
+        <p:txBody>
+          <a:bodyPr rtlCol="0" anchor="ctr"/>
+          <a:lstStyle/>
+          <a:p>
+            <a:pPr algn="ctr"/>
+            <a:r>
+              <a:rPr lang="fr-FR" dirty="0"/>
+              <a:t>On distribue les cartes :</a:t>
+            </a:r>
+          </a:p>
+          <a:p>
+            <a:pPr algn="ctr"/>
+            <a:endParaRPr lang="fr-FR" dirty="0"/>
+          </a:p>
+          <a:p>
+            <a:pPr marL="285750" indent="-285750">
+              <a:buFont typeface="Arial" panose="020B0604020202020204" pitchFamily="34" charset="0"/>
+              <a:buChar char="•"/>
+            </a:pPr>
+            <a:r>
+              <a:rPr lang="fr-FR" dirty="0"/>
+              <a:t>La majorité reçoit un mot commun</a:t>
+            </a:r>
+          </a:p>
+          <a:p>
+            <a:pPr marL="285750" indent="-285750">
+              <a:buFont typeface="Arial" panose="020B0604020202020204" pitchFamily="34" charset="0"/>
+              <a:buChar char="•"/>
+            </a:pPr>
+            <a:r>
+              <a:rPr lang="fr-FR" dirty="0"/>
+              <a:t>Un des joueurs est </a:t>
+            </a:r>
+            <a:r>
+              <a:rPr lang="fr-FR" b="1" dirty="0"/>
+              <a:t>l’imposteur</a:t>
+            </a:r>
+            <a:r>
+              <a:rPr lang="fr-FR" dirty="0"/>
+              <a:t> il reçoit un mot légèrement différent</a:t>
+            </a:r>
+          </a:p>
+          <a:p>
+            <a:pPr marL="285750" indent="-285750">
+              <a:buFont typeface="Arial" panose="020B0604020202020204" pitchFamily="34" charset="0"/>
+              <a:buChar char="•"/>
+            </a:pPr>
+            <a:r>
+              <a:rPr lang="fr-FR" dirty="0"/>
+              <a:t>Un joueur reçois une carte vide, c’est </a:t>
+            </a:r>
+            <a:r>
+              <a:rPr lang="fr-FR" b="1" dirty="0" err="1"/>
+              <a:t>Mister-Bioinfo</a:t>
+            </a:r>
+            <a:endParaRPr lang="fr-FR" b="1" dirty="0"/>
+          </a:p>
+        </p:txBody>
+      </p:sp>
+      <p:sp>
+        <p:nvSpPr>
+          <p:cNvPr id="8" name="Rectangle 7">
+            <a:extLst>
+              <a:ext uri="{FF2B5EF4-FFF2-40B4-BE49-F238E27FC236}">
+                <a16:creationId xmlns:a16="http://schemas.microsoft.com/office/drawing/2014/main" id="{78C438E0-4962-4108-90F1-074FB9E55B32}"/>
+              </a:ext>
+            </a:extLst>
+          </p:cNvPr>
+          <p:cNvSpPr/>
+          <p:nvPr/>
+        </p:nvSpPr>
+        <p:spPr>
+          <a:xfrm>
+            <a:off x="430306" y="4733566"/>
+            <a:ext cx="6024282" cy="4558352"/>
+          </a:xfrm>
+          <a:prstGeom prst="rect">
+            <a:avLst/>
+          </a:prstGeom>
+          <a:solidFill>
+            <a:srgbClr val="017F82"/>
+          </a:solidFill>
+          <a:ln>
+            <a:noFill/>
+          </a:ln>
+          <a:effectLst>
+            <a:outerShdw blurRad="165100" dist="38100" dir="2700000" sx="101000" sy="101000" algn="tl" rotWithShape="0">
+              <a:prstClr val="black">
+                <a:alpha val="40000"/>
+              </a:prstClr>
+            </a:outerShdw>
+          </a:effectLst>
+        </p:spPr>
+        <p:style>
+          <a:lnRef idx="2">
+            <a:schemeClr val="accent1">
+              <a:shade val="50000"/>
+            </a:schemeClr>
+          </a:lnRef>
+          <a:fillRef idx="1">
+            <a:schemeClr val="accent1"/>
+          </a:fillRef>
+          <a:effectRef idx="0">
+            <a:schemeClr val="accent1"/>
+          </a:effectRef>
+          <a:fontRef idx="minor">
+            <a:schemeClr val="lt1"/>
+          </a:fontRef>
+        </p:style>
+        <p:txBody>
+          <a:bodyPr rtlCol="0" anchor="ctr"/>
+          <a:lstStyle/>
+          <a:p>
+            <a:pPr algn="ctr"/>
+            <a:r>
+              <a:rPr lang="fr-FR" dirty="0"/>
+              <a:t>Joueurs avec le mot commun : Identifier </a:t>
+            </a:r>
+            <a:r>
+              <a:rPr lang="fr-FR" dirty="0" err="1"/>
+              <a:t>Mister</a:t>
+            </a:r>
+            <a:r>
+              <a:rPr lang="fr-FR" dirty="0"/>
+              <a:t> White et l’imposteur tout en protégeant le mot commun .Imposteur : Passer pour un joueur ayant le mot commun et faire accuser quelqu'un d'autre .</a:t>
+            </a:r>
+            <a:r>
+              <a:rPr lang="fr-FR" dirty="0" err="1"/>
+              <a:t>Mister</a:t>
+            </a:r>
+            <a:r>
+              <a:rPr lang="fr-FR" dirty="0"/>
+              <a:t> White : Déduire le mot commun et éviter d’être démasqué.</a:t>
+            </a:r>
+          </a:p>
+          <a:p>
+            <a:pPr algn="ctr"/>
+            <a:endParaRPr lang="fr-FR" dirty="0"/>
+          </a:p>
+          <a:p>
+            <a:pPr algn="ctr"/>
+            <a:r>
+              <a:rPr lang="fr-FR" dirty="0"/>
+              <a:t>Chaque joueur donne un indice lié à son mot (</a:t>
+            </a:r>
+            <a:r>
+              <a:rPr lang="fr-FR" dirty="0" err="1"/>
+              <a:t>Mister</a:t>
+            </a:r>
+            <a:r>
+              <a:rPr lang="fr-FR" dirty="0"/>
+              <a:t> White improvise pour ne pas se faire remarquer).</a:t>
+            </a:r>
+          </a:p>
+          <a:p>
+            <a:pPr algn="ctr"/>
+            <a:endParaRPr lang="fr-FR" dirty="0"/>
+          </a:p>
+          <a:p>
+            <a:pPr algn="ctr"/>
+            <a:r>
+              <a:rPr lang="fr-FR" dirty="0"/>
+              <a:t>À la fin des discussions, les joueurs votent pour désigner </a:t>
+            </a:r>
+            <a:r>
+              <a:rPr lang="fr-FR" dirty="0" err="1"/>
+              <a:t>Mister</a:t>
+            </a:r>
+            <a:r>
+              <a:rPr lang="fr-FR" dirty="0"/>
+              <a:t> White et/ou l’imposteur.</a:t>
+            </a:r>
+          </a:p>
+        </p:txBody>
+      </p:sp>
+    </p:spTree>
+    <p:extLst>
+      <p:ext uri="{BB962C8B-B14F-4D97-AF65-F5344CB8AC3E}">
+        <p14:creationId xmlns:p14="http://schemas.microsoft.com/office/powerpoint/2010/main" val="3149102615"/>
+      </p:ext>
+    </p:extLst>
+  </p:cSld>
+  <p:clrMapOvr>
+    <a:masterClrMapping/>
+  </p:clrMapOvr>
+</p:sld>
+</file>
+
 <file path=ppt/theme/theme1.xml><?xml version="1.0" encoding="utf-8"?>
 <a:theme xmlns:a="http://schemas.openxmlformats.org/drawingml/2006/main" name="Thème Office">
   <a:themeElements>

--- a/src/print_A3.pptx
+++ b/src/print_A3.pptx
@@ -10,8 +10,8 @@
     <p:sldId id="261" r:id="rId4"/>
     <p:sldId id="259" r:id="rId5"/>
     <p:sldId id="260" r:id="rId6"/>
-    <p:sldId id="263" r:id="rId7"/>
-    <p:sldId id="264" r:id="rId8"/>
+    <p:sldId id="268" r:id="rId7"/>
+    <p:sldId id="263" r:id="rId8"/>
   </p:sldIdLst>
   <p:sldSz cx="7559675" cy="10439400"/>
   <p:notesSz cx="6858000" cy="9144000"/>
@@ -3209,6 +3209,42 @@
           </a:prstGeom>
         </p:spPr>
       </p:pic>
+      <p:pic>
+        <p:nvPicPr>
+          <p:cNvPr id="3" name="Image 2">
+            <a:extLst>
+              <a:ext uri="{FF2B5EF4-FFF2-40B4-BE49-F238E27FC236}">
+                <a16:creationId xmlns:a16="http://schemas.microsoft.com/office/drawing/2014/main" id="{E5806916-9991-4DE2-8DA4-47944E3160A0}"/>
+              </a:ext>
+            </a:extLst>
+          </p:cNvPr>
+          <p:cNvPicPr>
+            <a:picLocks noChangeAspect="1"/>
+          </p:cNvPicPr>
+          <p:nvPr/>
+        </p:nvPicPr>
+        <p:blipFill>
+          <a:blip r:embed="rId3">
+            <a:extLst>
+              <a:ext uri="{28A0092B-C50C-407E-A947-70E740481C1C}">
+                <a14:useLocalDpi xmlns:a14="http://schemas.microsoft.com/office/drawing/2010/main" val="0"/>
+              </a:ext>
+            </a:extLst>
+          </a:blip>
+          <a:stretch>
+            <a:fillRect/>
+          </a:stretch>
+        </p:blipFill>
+        <p:spPr>
+          <a:xfrm>
+            <a:off x="144381" y="111933"/>
+            <a:ext cx="3282216" cy="536095"/>
+          </a:xfrm>
+          <a:prstGeom prst="rect">
+            <a:avLst/>
+          </a:prstGeom>
+        </p:spPr>
+      </p:pic>
     </p:spTree>
     <p:extLst>
       <p:ext uri="{BB962C8B-B14F-4D97-AF65-F5344CB8AC3E}">
@@ -3602,6 +3638,42 @@
           </a:effectLst>
         </p:spPr>
       </p:pic>
+      <p:pic>
+        <p:nvPicPr>
+          <p:cNvPr id="9" name="Image 8">
+            <a:extLst>
+              <a:ext uri="{FF2B5EF4-FFF2-40B4-BE49-F238E27FC236}">
+                <a16:creationId xmlns:a16="http://schemas.microsoft.com/office/drawing/2014/main" id="{01D4D8AA-EAC9-4B73-A489-617D950390F9}"/>
+              </a:ext>
+            </a:extLst>
+          </p:cNvPr>
+          <p:cNvPicPr>
+            <a:picLocks noChangeAspect="1"/>
+          </p:cNvPicPr>
+          <p:nvPr/>
+        </p:nvPicPr>
+        <p:blipFill>
+          <a:blip r:embed="rId7">
+            <a:extLst>
+              <a:ext uri="{28A0092B-C50C-407E-A947-70E740481C1C}">
+                <a14:useLocalDpi xmlns:a14="http://schemas.microsoft.com/office/drawing/2010/main" val="0"/>
+              </a:ext>
+            </a:extLst>
+          </a:blip>
+          <a:stretch>
+            <a:fillRect/>
+          </a:stretch>
+        </p:blipFill>
+        <p:spPr>
+          <a:xfrm>
+            <a:off x="144381" y="111933"/>
+            <a:ext cx="3282216" cy="536095"/>
+          </a:xfrm>
+          <a:prstGeom prst="rect">
+            <a:avLst/>
+          </a:prstGeom>
+        </p:spPr>
+      </p:pic>
     </p:spTree>
     <p:extLst>
       <p:ext uri="{BB962C8B-B14F-4D97-AF65-F5344CB8AC3E}">
@@ -3903,6 +3975,42 @@
           </a:p>
         </p:txBody>
       </p:sp>
+      <p:pic>
+        <p:nvPicPr>
+          <p:cNvPr id="6" name="Image 5">
+            <a:extLst>
+              <a:ext uri="{FF2B5EF4-FFF2-40B4-BE49-F238E27FC236}">
+                <a16:creationId xmlns:a16="http://schemas.microsoft.com/office/drawing/2014/main" id="{CE8D4AC4-2896-40ED-B2C8-F9B3FFF6397E}"/>
+              </a:ext>
+            </a:extLst>
+          </p:cNvPr>
+          <p:cNvPicPr>
+            <a:picLocks noChangeAspect="1"/>
+          </p:cNvPicPr>
+          <p:nvPr/>
+        </p:nvPicPr>
+        <p:blipFill>
+          <a:blip r:embed="rId5">
+            <a:extLst>
+              <a:ext uri="{28A0092B-C50C-407E-A947-70E740481C1C}">
+                <a14:useLocalDpi xmlns:a14="http://schemas.microsoft.com/office/drawing/2010/main" val="0"/>
+              </a:ext>
+            </a:extLst>
+          </a:blip>
+          <a:stretch>
+            <a:fillRect/>
+          </a:stretch>
+        </p:blipFill>
+        <p:spPr>
+          <a:xfrm>
+            <a:off x="144381" y="111933"/>
+            <a:ext cx="3282216" cy="536095"/>
+          </a:xfrm>
+          <a:prstGeom prst="rect">
+            <a:avLst/>
+          </a:prstGeom>
+        </p:spPr>
+      </p:pic>
     </p:spTree>
     <p:extLst>
       <p:ext uri="{BB962C8B-B14F-4D97-AF65-F5344CB8AC3E}">
@@ -4079,8 +4187,8 @@
         </p:nvSpPr>
         <p:spPr>
           <a:xfrm rot="21237303">
-            <a:off x="1203653" y="1166248"/>
-            <a:ext cx="5152373" cy="1754326"/>
+            <a:off x="636054" y="1573294"/>
+            <a:ext cx="5771038" cy="923330"/>
           </a:xfrm>
           <a:prstGeom prst="rect">
             <a:avLst/>
@@ -4097,7 +4205,7 @@
           </a:effectLst>
         </p:spPr>
         <p:txBody>
-          <a:bodyPr wrap="none" rtlCol="0">
+          <a:bodyPr wrap="square" rtlCol="0">
             <a:spAutoFit/>
           </a:bodyPr>
           <a:lstStyle/>
@@ -4117,26 +4225,7 @@
                 </a:solidFill>
                 <a:latin typeface="Lexend"/>
               </a:rPr>
-              <a:t> Buffet</a:t>
-            </a:r>
-          </a:p>
-          <a:p>
-            <a:pPr algn="ctr" rtl="0">
-              <a:spcBef>
-                <a:spcPts val="0"/>
-              </a:spcBef>
-              <a:spcAft>
-                <a:spcPts val="0"/>
-              </a:spcAft>
-            </a:pPr>
-            <a:r>
-              <a:rPr lang="fr-FR" sz="5400" dirty="0">
-                <a:solidFill>
-                  <a:schemeClr val="bg1"/>
-                </a:solidFill>
-                <a:latin typeface="Lexend"/>
-              </a:rPr>
-              <a:t> servi dans le hall </a:t>
+              <a:t> Buffet dans le hall </a:t>
             </a:r>
           </a:p>
         </p:txBody>
@@ -4225,10 +4314,10 @@
       </p:pic>
       <p:pic>
         <p:nvPicPr>
-          <p:cNvPr id="7" name="Graphique 6">
+          <p:cNvPr id="8" name="Image 7">
             <a:extLst>
               <a:ext uri="{FF2B5EF4-FFF2-40B4-BE49-F238E27FC236}">
-                <a16:creationId xmlns:a16="http://schemas.microsoft.com/office/drawing/2014/main" id="{222C8120-2BB4-48D0-8110-CE9BB87C0268}"/>
+                <a16:creationId xmlns:a16="http://schemas.microsoft.com/office/drawing/2014/main" id="{91ED739C-34CE-4EF4-AD1B-BE19B888767B}"/>
               </a:ext>
             </a:extLst>
           </p:cNvPr>
@@ -4243,9 +4332,6 @@
               <a:ext uri="{28A0092B-C50C-407E-A947-70E740481C1C}">
                 <a14:useLocalDpi xmlns:a14="http://schemas.microsoft.com/office/drawing/2010/main" val="0"/>
               </a:ext>
-              <a:ext uri="{96DAC541-7B7A-43D3-8B79-37D633B846F1}">
-                <asvg:svgBlip xmlns:asvg="http://schemas.microsoft.com/office/drawing/2016/SVG/main" r:embed="rId6"/>
-              </a:ext>
             </a:extLst>
           </a:blip>
           <a:stretch>
@@ -4254,19 +4340,51 @@
         </p:blipFill>
         <p:spPr>
           <a:xfrm>
-            <a:off x="941478" y="3395561"/>
-            <a:ext cx="5204019" cy="5204019"/>
+            <a:off x="144381" y="111933"/>
+            <a:ext cx="3282216" cy="536095"/>
           </a:xfrm>
           <a:prstGeom prst="rect">
             <a:avLst/>
           </a:prstGeom>
-          <a:effectLst>
-            <a:outerShdw blurRad="50800" dist="38100" dir="2700000" algn="tl" rotWithShape="0">
-              <a:prstClr val="black">
-                <a:alpha val="40000"/>
-              </a:prstClr>
-            </a:outerShdw>
-          </a:effectLst>
+        </p:spPr>
+      </p:pic>
+      <p:pic>
+        <p:nvPicPr>
+          <p:cNvPr id="3" name="Graphique 2">
+            <a:extLst>
+              <a:ext uri="{FF2B5EF4-FFF2-40B4-BE49-F238E27FC236}">
+                <a16:creationId xmlns:a16="http://schemas.microsoft.com/office/drawing/2014/main" id="{07ED962A-E97D-44A0-96F6-FDE0FFE90FD8}"/>
+              </a:ext>
+            </a:extLst>
+          </p:cNvPr>
+          <p:cNvPicPr>
+            <a:picLocks noChangeAspect="1"/>
+          </p:cNvPicPr>
+          <p:nvPr/>
+        </p:nvPicPr>
+        <p:blipFill>
+          <a:blip r:embed="rId6">
+            <a:extLst>
+              <a:ext uri="{28A0092B-C50C-407E-A947-70E740481C1C}">
+                <a14:useLocalDpi xmlns:a14="http://schemas.microsoft.com/office/drawing/2010/main" val="0"/>
+              </a:ext>
+              <a:ext uri="{96DAC541-7B7A-43D3-8B79-37D633B846F1}">
+                <asvg:svgBlip xmlns:asvg="http://schemas.microsoft.com/office/drawing/2016/SVG/main" r:embed="rId7"/>
+              </a:ext>
+            </a:extLst>
+          </a:blip>
+          <a:stretch>
+            <a:fillRect/>
+          </a:stretch>
+        </p:blipFill>
+        <p:spPr>
+          <a:xfrm>
+            <a:off x="1543083" y="3218921"/>
+            <a:ext cx="4473507" cy="4473507"/>
+          </a:xfrm>
+          <a:prstGeom prst="rect">
+            <a:avLst/>
+          </a:prstGeom>
         </p:spPr>
       </p:pic>
     </p:spTree>
@@ -4313,7 +4431,7 @@
         </p:nvSpPr>
         <p:spPr>
           <a:xfrm rot="21237303">
-            <a:off x="2188377" y="1381693"/>
+            <a:off x="1785528" y="1271754"/>
             <a:ext cx="3182923" cy="1323439"/>
           </a:xfrm>
           <a:prstGeom prst="rect">
@@ -4384,7 +4502,7 @@
         </p:blipFill>
         <p:spPr>
           <a:xfrm>
-            <a:off x="4792655" y="2759432"/>
+            <a:off x="5210896" y="2067534"/>
             <a:ext cx="2020358" cy="2020358"/>
           </a:xfrm>
           <a:prstGeom prst="rect">
@@ -4526,10 +4644,10 @@
       </p:sp>
       <p:pic>
         <p:nvPicPr>
-          <p:cNvPr id="7" name="Graphique 6">
+          <p:cNvPr id="9" name="Image 8">
             <a:extLst>
               <a:ext uri="{FF2B5EF4-FFF2-40B4-BE49-F238E27FC236}">
-                <a16:creationId xmlns:a16="http://schemas.microsoft.com/office/drawing/2014/main" id="{5E7F9316-6B06-4F18-B31C-5DC144A1616F}"/>
+                <a16:creationId xmlns:a16="http://schemas.microsoft.com/office/drawing/2014/main" id="{065E77A0-10B8-4907-A647-B93B144E644F}"/>
               </a:ext>
             </a:extLst>
           </p:cNvPr>
@@ -4544,9 +4662,6 @@
               <a:ext uri="{28A0092B-C50C-407E-A947-70E740481C1C}">
                 <a14:useLocalDpi xmlns:a14="http://schemas.microsoft.com/office/drawing/2010/main" val="0"/>
               </a:ext>
-              <a:ext uri="{96DAC541-7B7A-43D3-8B79-37D633B846F1}">
-                <asvg:svgBlip xmlns:asvg="http://schemas.microsoft.com/office/drawing/2016/SVG/main" r:embed="rId4"/>
-              </a:ext>
             </a:extLst>
           </a:blip>
           <a:stretch>
@@ -4555,19 +4670,51 @@
         </p:blipFill>
         <p:spPr>
           <a:xfrm>
-            <a:off x="1050577" y="3680794"/>
-            <a:ext cx="5204019" cy="5204019"/>
+            <a:off x="144381" y="111933"/>
+            <a:ext cx="3282216" cy="536095"/>
           </a:xfrm>
           <a:prstGeom prst="rect">
             <a:avLst/>
           </a:prstGeom>
-          <a:effectLst>
-            <a:outerShdw blurRad="50800" dist="38100" dir="2700000" algn="tl" rotWithShape="0">
-              <a:prstClr val="black">
-                <a:alpha val="40000"/>
-              </a:prstClr>
-            </a:outerShdw>
-          </a:effectLst>
+        </p:spPr>
+      </p:pic>
+      <p:pic>
+        <p:nvPicPr>
+          <p:cNvPr id="10" name="Graphique 9">
+            <a:extLst>
+              <a:ext uri="{FF2B5EF4-FFF2-40B4-BE49-F238E27FC236}">
+                <a16:creationId xmlns:a16="http://schemas.microsoft.com/office/drawing/2014/main" id="{6210DC51-C266-4654-AA85-920624556FB3}"/>
+              </a:ext>
+            </a:extLst>
+          </p:cNvPr>
+          <p:cNvPicPr>
+            <a:picLocks noChangeAspect="1"/>
+          </p:cNvPicPr>
+          <p:nvPr/>
+        </p:nvPicPr>
+        <p:blipFill>
+          <a:blip r:embed="rId4">
+            <a:extLst>
+              <a:ext uri="{28A0092B-C50C-407E-A947-70E740481C1C}">
+                <a14:useLocalDpi xmlns:a14="http://schemas.microsoft.com/office/drawing/2010/main" val="0"/>
+              </a:ext>
+              <a:ext uri="{96DAC541-7B7A-43D3-8B79-37D633B846F1}">
+                <asvg:svgBlip xmlns:asvg="http://schemas.microsoft.com/office/drawing/2016/SVG/main" r:embed="rId5"/>
+              </a:ext>
+            </a:extLst>
+          </a:blip>
+          <a:stretch>
+            <a:fillRect/>
+          </a:stretch>
+        </p:blipFill>
+        <p:spPr>
+          <a:xfrm>
+            <a:off x="1466310" y="3555805"/>
+            <a:ext cx="4473507" cy="4473507"/>
+          </a:xfrm>
+          <a:prstGeom prst="rect">
+            <a:avLst/>
+          </a:prstGeom>
         </p:spPr>
       </p:pic>
     </p:spTree>
@@ -4600,151 +4747,12 @@
           <a:chExt cx="0" cy="0"/>
         </a:xfrm>
       </p:grpSpPr>
-      <p:pic>
-        <p:nvPicPr>
-          <p:cNvPr id="8" name="Picture 2">
+      <p:sp>
+        <p:nvSpPr>
+          <p:cNvPr id="8" name="Forme libre : forme 7">
             <a:extLst>
               <a:ext uri="{FF2B5EF4-FFF2-40B4-BE49-F238E27FC236}">
-                <a16:creationId xmlns:a16="http://schemas.microsoft.com/office/drawing/2014/main" id="{019A6991-FF2B-435B-B11D-E59ADE010E32}"/>
-              </a:ext>
-            </a:extLst>
-          </p:cNvPr>
-          <p:cNvPicPr>
-            <a:picLocks noChangeAspect="1" noChangeArrowheads="1"/>
-          </p:cNvPicPr>
-          <p:nvPr/>
-        </p:nvPicPr>
-        <p:blipFill rotWithShape="1">
-          <a:blip r:embed="rId2">
-            <a:alphaModFix amt="20000"/>
-            <a:extLst>
-              <a:ext uri="{28A0092B-C50C-407E-A947-70E740481C1C}">
-                <a14:useLocalDpi xmlns:a14="http://schemas.microsoft.com/office/drawing/2010/main" val="0"/>
-              </a:ext>
-            </a:extLst>
-          </a:blip>
-          <a:srcRect l="11456" t="7434" r="9695" b="7243"/>
-          <a:stretch/>
-        </p:blipFill>
-        <p:spPr bwMode="auto">
-          <a:xfrm rot="5400000">
-            <a:off x="-1426085" y="1453643"/>
-            <a:ext cx="10439402" cy="7532118"/>
-          </a:xfrm>
-          <a:prstGeom prst="rect">
-            <a:avLst/>
-          </a:prstGeom>
-          <a:noFill/>
-          <a:extLst>
-            <a:ext uri="{909E8E84-426E-40DD-AFC4-6F175D3DCCD1}">
-              <a14:hiddenFill xmlns:a14="http://schemas.microsoft.com/office/drawing/2010/main">
-                <a:solidFill>
-                  <a:srgbClr val="FFFFFF"/>
-                </a:solidFill>
-              </a14:hiddenFill>
-            </a:ext>
-          </a:extLst>
-        </p:spPr>
-      </p:pic>
-      <p:sp>
-        <p:nvSpPr>
-          <p:cNvPr id="19" name="ZoneTexte 18">
-            <a:extLst>
-              <a:ext uri="{FF2B5EF4-FFF2-40B4-BE49-F238E27FC236}">
-                <a16:creationId xmlns:a16="http://schemas.microsoft.com/office/drawing/2014/main" id="{421123BA-BB49-4177-B7DB-E4551E245846}"/>
-              </a:ext>
-            </a:extLst>
-          </p:cNvPr>
-          <p:cNvSpPr txBox="1"/>
-          <p:nvPr/>
-        </p:nvSpPr>
-        <p:spPr>
-          <a:xfrm rot="21237303">
-            <a:off x="1081983" y="1535580"/>
-            <a:ext cx="5395708" cy="1015663"/>
-          </a:xfrm>
-          <a:prstGeom prst="rect">
-            <a:avLst/>
-          </a:prstGeom>
-          <a:solidFill>
-            <a:srgbClr val="835B9B"/>
-          </a:solidFill>
-          <a:effectLst>
-            <a:outerShdw blurRad="50800" dist="38100" dir="8100000" algn="tr" rotWithShape="0">
-              <a:prstClr val="black">
-                <a:alpha val="40000"/>
-              </a:prstClr>
-            </a:outerShdw>
-          </a:effectLst>
-        </p:spPr>
-        <p:txBody>
-          <a:bodyPr wrap="none" rtlCol="0">
-            <a:spAutoFit/>
-          </a:bodyPr>
-          <a:lstStyle/>
-          <a:p>
-            <a:pPr algn="ctr" rtl="0">
-              <a:spcBef>
-                <a:spcPts val="0"/>
-              </a:spcBef>
-              <a:spcAft>
-                <a:spcPts val="0"/>
-              </a:spcAft>
-            </a:pPr>
-            <a:r>
-              <a:rPr lang="fr-FR" sz="6000" dirty="0">
-                <a:solidFill>
-                  <a:schemeClr val="bg1"/>
-                </a:solidFill>
-                <a:latin typeface="Lexend"/>
-              </a:rPr>
-              <a:t> Buffet Normand</a:t>
-            </a:r>
-          </a:p>
-        </p:txBody>
-      </p:sp>
-      <p:pic>
-        <p:nvPicPr>
-          <p:cNvPr id="40" name="Image 39">
-            <a:extLst>
-              <a:ext uri="{FF2B5EF4-FFF2-40B4-BE49-F238E27FC236}">
-                <a16:creationId xmlns:a16="http://schemas.microsoft.com/office/drawing/2014/main" id="{6B0EF4BF-5CBE-406E-8536-7B5455F27FF2}"/>
-              </a:ext>
-            </a:extLst>
-          </p:cNvPr>
-          <p:cNvPicPr>
-            <a:picLocks noChangeAspect="1"/>
-          </p:cNvPicPr>
-          <p:nvPr/>
-        </p:nvPicPr>
-        <p:blipFill>
-          <a:blip r:embed="rId3">
-            <a:extLst>
-              <a:ext uri="{28A0092B-C50C-407E-A947-70E740481C1C}">
-                <a14:useLocalDpi xmlns:a14="http://schemas.microsoft.com/office/drawing/2010/main" val="0"/>
-              </a:ext>
-            </a:extLst>
-          </a:blip>
-          <a:stretch>
-            <a:fillRect/>
-          </a:stretch>
-        </p:blipFill>
-        <p:spPr>
-          <a:xfrm>
-            <a:off x="5244417" y="2341968"/>
-            <a:ext cx="2020358" cy="2020358"/>
-          </a:xfrm>
-          <a:prstGeom prst="rect">
-            <a:avLst/>
-          </a:prstGeom>
-        </p:spPr>
-      </p:pic>
-      <p:sp>
-        <p:nvSpPr>
-          <p:cNvPr id="6" name="Forme libre : forme 5">
-            <a:extLst>
-              <a:ext uri="{FF2B5EF4-FFF2-40B4-BE49-F238E27FC236}">
-                <a16:creationId xmlns:a16="http://schemas.microsoft.com/office/drawing/2014/main" id="{4B3E7138-6E03-4142-B33A-161E4815BE7B}"/>
+                <a16:creationId xmlns:a16="http://schemas.microsoft.com/office/drawing/2014/main" id="{486EE8FA-A270-4CA1-A7C4-026C05D3B99D}"/>
               </a:ext>
             </a:extLst>
           </p:cNvPr>
@@ -4871,12 +4879,338 @@
           </a:p>
         </p:txBody>
       </p:sp>
+      <p:sp>
+        <p:nvSpPr>
+          <p:cNvPr id="19" name="ZoneTexte 18">
+            <a:extLst>
+              <a:ext uri="{FF2B5EF4-FFF2-40B4-BE49-F238E27FC236}">
+                <a16:creationId xmlns:a16="http://schemas.microsoft.com/office/drawing/2014/main" id="{421123BA-BB49-4177-B7DB-E4551E245846}"/>
+              </a:ext>
+            </a:extLst>
+          </p:cNvPr>
+          <p:cNvSpPr txBox="1"/>
+          <p:nvPr/>
+        </p:nvSpPr>
+        <p:spPr>
+          <a:xfrm rot="21237303">
+            <a:off x="635973" y="1581746"/>
+            <a:ext cx="6287747" cy="923330"/>
+          </a:xfrm>
+          <a:prstGeom prst="rect">
+            <a:avLst/>
+          </a:prstGeom>
+          <a:solidFill>
+            <a:srgbClr val="835B9B"/>
+          </a:solidFill>
+          <a:effectLst>
+            <a:outerShdw blurRad="50800" dist="38100" dir="8100000" algn="tr" rotWithShape="0">
+              <a:prstClr val="black">
+                <a:alpha val="40000"/>
+              </a:prstClr>
+            </a:outerShdw>
+          </a:effectLst>
+        </p:spPr>
+        <p:txBody>
+          <a:bodyPr wrap="none" rtlCol="0">
+            <a:spAutoFit/>
+          </a:bodyPr>
+          <a:lstStyle/>
+          <a:p>
+            <a:r>
+              <a:rPr lang="fr-FR" sz="5400" dirty="0">
+                <a:solidFill>
+                  <a:schemeClr val="bg1"/>
+                </a:solidFill>
+                <a:latin typeface="Lexend"/>
+              </a:rPr>
+              <a:t>Fresque Collaborative</a:t>
+            </a:r>
+          </a:p>
+        </p:txBody>
+      </p:sp>
       <p:pic>
         <p:nvPicPr>
-          <p:cNvPr id="7" name="Graphique 6">
+          <p:cNvPr id="40" name="Image 39">
             <a:extLst>
               <a:ext uri="{FF2B5EF4-FFF2-40B4-BE49-F238E27FC236}">
-                <a16:creationId xmlns:a16="http://schemas.microsoft.com/office/drawing/2014/main" id="{5E7F9316-6B06-4F18-B31C-5DC144A1616F}"/>
+                <a16:creationId xmlns:a16="http://schemas.microsoft.com/office/drawing/2014/main" id="{6B0EF4BF-5CBE-406E-8536-7B5455F27FF2}"/>
+              </a:ext>
+            </a:extLst>
+          </p:cNvPr>
+          <p:cNvPicPr>
+            <a:picLocks noChangeAspect="1"/>
+          </p:cNvPicPr>
+          <p:nvPr/>
+        </p:nvPicPr>
+        <p:blipFill>
+          <a:blip r:embed="rId2">
+            <a:extLst>
+              <a:ext uri="{28A0092B-C50C-407E-A947-70E740481C1C}">
+                <a14:useLocalDpi xmlns:a14="http://schemas.microsoft.com/office/drawing/2010/main" val="0"/>
+              </a:ext>
+            </a:extLst>
+          </a:blip>
+          <a:stretch>
+            <a:fillRect/>
+          </a:stretch>
+        </p:blipFill>
+        <p:spPr>
+          <a:xfrm>
+            <a:off x="4311650" y="7396890"/>
+            <a:ext cx="2964185" cy="2964185"/>
+          </a:xfrm>
+          <a:prstGeom prst="rect">
+            <a:avLst/>
+          </a:prstGeom>
+        </p:spPr>
+      </p:pic>
+      <p:pic>
+        <p:nvPicPr>
+          <p:cNvPr id="9" name="Image 8">
+            <a:extLst>
+              <a:ext uri="{FF2B5EF4-FFF2-40B4-BE49-F238E27FC236}">
+                <a16:creationId xmlns:a16="http://schemas.microsoft.com/office/drawing/2014/main" id="{6627E3E5-8E9B-4A95-AD84-0D7CF494840A}"/>
+              </a:ext>
+            </a:extLst>
+          </p:cNvPr>
+          <p:cNvPicPr>
+            <a:picLocks noChangeAspect="1"/>
+          </p:cNvPicPr>
+          <p:nvPr/>
+        </p:nvPicPr>
+        <p:blipFill>
+          <a:blip r:embed="rId3">
+            <a:extLst>
+              <a:ext uri="{28A0092B-C50C-407E-A947-70E740481C1C}">
+                <a14:useLocalDpi xmlns:a14="http://schemas.microsoft.com/office/drawing/2010/main" val="0"/>
+              </a:ext>
+            </a:extLst>
+          </a:blip>
+          <a:stretch>
+            <a:fillRect/>
+          </a:stretch>
+        </p:blipFill>
+        <p:spPr>
+          <a:xfrm>
+            <a:off x="103290" y="146477"/>
+            <a:ext cx="2584347" cy="422110"/>
+          </a:xfrm>
+          <a:prstGeom prst="rect">
+            <a:avLst/>
+          </a:prstGeom>
+        </p:spPr>
+      </p:pic>
+      <p:sp>
+        <p:nvSpPr>
+          <p:cNvPr id="10" name="ZoneTexte 9">
+            <a:extLst>
+              <a:ext uri="{FF2B5EF4-FFF2-40B4-BE49-F238E27FC236}">
+                <a16:creationId xmlns:a16="http://schemas.microsoft.com/office/drawing/2014/main" id="{40F0C0FB-BE72-4C94-BA2F-30332F804D0A}"/>
+              </a:ext>
+            </a:extLst>
+          </p:cNvPr>
+          <p:cNvSpPr txBox="1"/>
+          <p:nvPr/>
+        </p:nvSpPr>
+        <p:spPr>
+          <a:xfrm rot="21237303">
+            <a:off x="2332904" y="2670579"/>
+            <a:ext cx="2893869" cy="923330"/>
+          </a:xfrm>
+          <a:prstGeom prst="rect">
+            <a:avLst/>
+          </a:prstGeom>
+          <a:solidFill>
+            <a:srgbClr val="835B9B"/>
+          </a:solidFill>
+          <a:effectLst>
+            <a:outerShdw blurRad="50800" dist="38100" dir="8100000" algn="tr" rotWithShape="0">
+              <a:prstClr val="black">
+                <a:alpha val="40000"/>
+              </a:prstClr>
+            </a:outerShdw>
+          </a:effectLst>
+        </p:spPr>
+        <p:txBody>
+          <a:bodyPr wrap="none" rtlCol="0">
+            <a:spAutoFit/>
+          </a:bodyPr>
+          <a:lstStyle/>
+          <a:p>
+            <a:r>
+              <a:rPr lang="fr-FR" sz="5400" dirty="0">
+                <a:solidFill>
+                  <a:schemeClr val="bg1"/>
+                </a:solidFill>
+                <a:latin typeface="Lexend"/>
+              </a:rPr>
+              <a:t>Livre </a:t>
+            </a:r>
+            <a:r>
+              <a:rPr lang="fr-FR" sz="5400" dirty="0">
+                <a:solidFill>
+                  <a:srgbClr val="F6AF34"/>
+                </a:solidFill>
+                <a:latin typeface="Lexend"/>
+              </a:rPr>
+              <a:t>d’Or</a:t>
+            </a:r>
+          </a:p>
+        </p:txBody>
+      </p:sp>
+      <p:sp>
+        <p:nvSpPr>
+          <p:cNvPr id="11" name="ZoneTexte 10">
+            <a:extLst>
+              <a:ext uri="{FF2B5EF4-FFF2-40B4-BE49-F238E27FC236}">
+                <a16:creationId xmlns:a16="http://schemas.microsoft.com/office/drawing/2014/main" id="{318A21C3-1943-4E56-8466-332A14B893D0}"/>
+              </a:ext>
+            </a:extLst>
+          </p:cNvPr>
+          <p:cNvSpPr txBox="1"/>
+          <p:nvPr/>
+        </p:nvSpPr>
+        <p:spPr>
+          <a:xfrm>
+            <a:off x="2368662" y="4212749"/>
+            <a:ext cx="4784212" cy="1384995"/>
+          </a:xfrm>
+          <a:prstGeom prst="rect">
+            <a:avLst/>
+          </a:prstGeom>
+          <a:solidFill>
+            <a:schemeClr val="bg1"/>
+          </a:solidFill>
+          <a:ln>
+            <a:solidFill>
+              <a:srgbClr val="017F82"/>
+            </a:solidFill>
+          </a:ln>
+          <a:effectLst>
+            <a:outerShdw blurRad="50800" dist="38100" dir="8100000" algn="tr" rotWithShape="0">
+              <a:prstClr val="black">
+                <a:alpha val="40000"/>
+              </a:prstClr>
+            </a:outerShdw>
+          </a:effectLst>
+        </p:spPr>
+        <p:txBody>
+          <a:bodyPr wrap="square" rtlCol="0">
+            <a:spAutoFit/>
+          </a:bodyPr>
+          <a:lstStyle/>
+          <a:p>
+            <a:r>
+              <a:rPr lang="fr-FR" sz="2800" dirty="0">
+                <a:solidFill>
+                  <a:sysClr val="windowText" lastClr="000000"/>
+                </a:solidFill>
+                <a:latin typeface="Lexend"/>
+              </a:rPr>
+              <a:t>Ajoute un Post-It avec une petite phrase qui t’inspire ton temps passé dans le master !</a:t>
+            </a:r>
+          </a:p>
+        </p:txBody>
+      </p:sp>
+      <p:sp>
+        <p:nvSpPr>
+          <p:cNvPr id="12" name="ZoneTexte 11">
+            <a:extLst>
+              <a:ext uri="{FF2B5EF4-FFF2-40B4-BE49-F238E27FC236}">
+                <a16:creationId xmlns:a16="http://schemas.microsoft.com/office/drawing/2014/main" id="{52C0B220-6014-4F30-9E11-F89D5961EBE3}"/>
+              </a:ext>
+            </a:extLst>
+          </p:cNvPr>
+          <p:cNvSpPr txBox="1"/>
+          <p:nvPr/>
+        </p:nvSpPr>
+        <p:spPr>
+          <a:xfrm>
+            <a:off x="218601" y="6061164"/>
+            <a:ext cx="5219041" cy="523220"/>
+          </a:xfrm>
+          <a:prstGeom prst="rect">
+            <a:avLst/>
+          </a:prstGeom>
+          <a:solidFill>
+            <a:schemeClr val="bg1"/>
+          </a:solidFill>
+          <a:ln>
+            <a:solidFill>
+              <a:srgbClr val="017F82"/>
+            </a:solidFill>
+          </a:ln>
+          <a:effectLst>
+            <a:outerShdw blurRad="50800" dist="38100" dir="8100000" algn="tr" rotWithShape="0">
+              <a:prstClr val="black">
+                <a:alpha val="40000"/>
+              </a:prstClr>
+            </a:outerShdw>
+          </a:effectLst>
+        </p:spPr>
+        <p:txBody>
+          <a:bodyPr wrap="square" rtlCol="0">
+            <a:spAutoFit/>
+          </a:bodyPr>
+          <a:lstStyle/>
+          <a:p>
+            <a:r>
+              <a:rPr lang="fr-FR" sz="2800" dirty="0">
+                <a:solidFill>
+                  <a:sysClr val="windowText" lastClr="000000"/>
+                </a:solidFill>
+                <a:latin typeface="Lexend"/>
+              </a:rPr>
+              <a:t>Objectif : Construire cette forme </a:t>
+            </a:r>
+          </a:p>
+        </p:txBody>
+      </p:sp>
+      <p:sp>
+        <p:nvSpPr>
+          <p:cNvPr id="2" name="ZoneTexte 1">
+            <a:extLst>
+              <a:ext uri="{FF2B5EF4-FFF2-40B4-BE49-F238E27FC236}">
+                <a16:creationId xmlns:a16="http://schemas.microsoft.com/office/drawing/2014/main" id="{9B51DB4D-C0A2-4F6C-A33E-515D686D26C0}"/>
+              </a:ext>
+            </a:extLst>
+          </p:cNvPr>
+          <p:cNvSpPr txBox="1"/>
+          <p:nvPr/>
+        </p:nvSpPr>
+        <p:spPr>
+          <a:xfrm>
+            <a:off x="1106119" y="6403810"/>
+            <a:ext cx="2525086" cy="2646878"/>
+          </a:xfrm>
+          <a:prstGeom prst="rect">
+            <a:avLst/>
+          </a:prstGeom>
+          <a:noFill/>
+        </p:spPr>
+        <p:txBody>
+          <a:bodyPr wrap="square" rtlCol="0">
+            <a:spAutoFit/>
+          </a:bodyPr>
+          <a:lstStyle/>
+          <a:p>
+            <a:r>
+              <a:rPr lang="fr-FR" sz="16600" b="1" dirty="0">
+                <a:solidFill>
+                  <a:srgbClr val="F6AF34"/>
+                </a:solidFill>
+              </a:rPr>
+              <a:t>25</a:t>
+            </a:r>
+          </a:p>
+        </p:txBody>
+      </p:sp>
+      <p:pic>
+        <p:nvPicPr>
+          <p:cNvPr id="4" name="Graphique 3" descr="Flèche : incurvée dans le sens des aiguilles d’une montre avec un remplissage uni">
+            <a:extLst>
+              <a:ext uri="{FF2B5EF4-FFF2-40B4-BE49-F238E27FC236}">
+                <a16:creationId xmlns:a16="http://schemas.microsoft.com/office/drawing/2014/main" id="{55B82AE0-B303-4AA6-9844-C1503519EFAC}"/>
               </a:ext>
             </a:extLst>
           </p:cNvPr>
@@ -4901,26 +5235,19 @@
           </a:stretch>
         </p:blipFill>
         <p:spPr>
-          <a:xfrm>
-            <a:off x="1050577" y="3680794"/>
-            <a:ext cx="5204019" cy="5204019"/>
+          <a:xfrm rot="840832" flipV="1">
+            <a:off x="3466821" y="6715742"/>
+            <a:ext cx="914400" cy="914400"/>
           </a:xfrm>
           <a:prstGeom prst="rect">
             <a:avLst/>
           </a:prstGeom>
-          <a:effectLst>
-            <a:outerShdw blurRad="50800" dist="38100" dir="2700000" algn="tl" rotWithShape="0">
-              <a:prstClr val="black">
-                <a:alpha val="40000"/>
-              </a:prstClr>
-            </a:outerShdw>
-          </a:effectLst>
         </p:spPr>
       </p:pic>
     </p:spTree>
     <p:extLst>
       <p:ext uri="{BB962C8B-B14F-4D97-AF65-F5344CB8AC3E}">
-        <p14:creationId xmlns:p14="http://schemas.microsoft.com/office/powerpoint/2010/main" val="2680233770"/>
+        <p14:creationId xmlns:p14="http://schemas.microsoft.com/office/powerpoint/2010/main" val="3821941169"/>
       </p:ext>
     </p:extLst>
   </p:cSld>
@@ -4947,138 +5274,52 @@
           <a:chExt cx="0" cy="0"/>
         </a:xfrm>
       </p:grpSpPr>
-      <p:sp>
-        <p:nvSpPr>
-          <p:cNvPr id="6" name="Forme libre : forme 5">
+      <p:pic>
+        <p:nvPicPr>
+          <p:cNvPr id="8" name="Picture 2">
             <a:extLst>
               <a:ext uri="{FF2B5EF4-FFF2-40B4-BE49-F238E27FC236}">
-                <a16:creationId xmlns:a16="http://schemas.microsoft.com/office/drawing/2014/main" id="{4B3E7138-6E03-4142-B33A-161E4815BE7B}"/>
+                <a16:creationId xmlns:a16="http://schemas.microsoft.com/office/drawing/2014/main" id="{019A6991-FF2B-435B-B11D-E59ADE010E32}"/>
               </a:ext>
             </a:extLst>
           </p:cNvPr>
-          <p:cNvSpPr/>
+          <p:cNvPicPr>
+            <a:picLocks noChangeAspect="1" noChangeArrowheads="1"/>
+          </p:cNvPicPr>
           <p:nvPr/>
-        </p:nvSpPr>
-        <p:spPr>
-          <a:xfrm>
-            <a:off x="-62423" y="-699772"/>
-            <a:ext cx="7684518" cy="12122634"/>
-          </a:xfrm>
-          <a:custGeom>
+        </p:nvPicPr>
+        <p:blipFill rotWithShape="1">
+          <a:blip r:embed="rId2">
+            <a:alphaModFix amt="20000"/>
+            <a:extLst>
+              <a:ext uri="{28A0092B-C50C-407E-A947-70E740481C1C}">
+                <a14:useLocalDpi xmlns:a14="http://schemas.microsoft.com/office/drawing/2010/main" val="0"/>
+              </a:ext>
+            </a:extLst>
+          </a:blip>
+          <a:srcRect l="11456" t="7434" r="9695" b="7243"/>
+          <a:stretch/>
+        </p:blipFill>
+        <p:spPr bwMode="auto">
+          <a:xfrm rot="5400000">
+            <a:off x="-1435710" y="1453643"/>
+            <a:ext cx="10439402" cy="7532118"/>
+          </a:xfrm>
+          <a:prstGeom prst="rect">
             <a:avLst/>
-            <a:gdLst>
-              <a:gd name="connsiteX0" fmla="*/ 2031863 w 7684518"/>
-              <a:gd name="connsiteY0" fmla="*/ 0 h 12122634"/>
-              <a:gd name="connsiteX1" fmla="*/ 559323 w 7684518"/>
-              <a:gd name="connsiteY1" fmla="*/ 1900052 h 12122634"/>
-              <a:gd name="connsiteX2" fmla="*/ 1628102 w 7684518"/>
-              <a:gd name="connsiteY2" fmla="*/ 5427024 h 12122634"/>
-              <a:gd name="connsiteX3" fmla="*/ 72435 w 7684518"/>
-              <a:gd name="connsiteY3" fmla="*/ 11614068 h 12122634"/>
-              <a:gd name="connsiteX4" fmla="*/ 4430679 w 7684518"/>
-              <a:gd name="connsiteY4" fmla="*/ 11519065 h 12122634"/>
-              <a:gd name="connsiteX5" fmla="*/ 3445027 w 7684518"/>
-              <a:gd name="connsiteY5" fmla="*/ 9512136 h 12122634"/>
-              <a:gd name="connsiteX6" fmla="*/ 7684518 w 7684518"/>
-              <a:gd name="connsiteY6" fmla="*/ 6531429 h 12122634"/>
-            </a:gdLst>
-            <a:ahLst/>
-            <a:cxnLst>
-              <a:cxn ang="0">
-                <a:pos x="connsiteX0" y="connsiteY0"/>
-              </a:cxn>
-              <a:cxn ang="0">
-                <a:pos x="connsiteX1" y="connsiteY1"/>
-              </a:cxn>
-              <a:cxn ang="0">
-                <a:pos x="connsiteX2" y="connsiteY2"/>
-              </a:cxn>
-              <a:cxn ang="0">
-                <a:pos x="connsiteX3" y="connsiteY3"/>
-              </a:cxn>
-              <a:cxn ang="0">
-                <a:pos x="connsiteX4" y="connsiteY4"/>
-              </a:cxn>
-              <a:cxn ang="0">
-                <a:pos x="connsiteX5" y="connsiteY5"/>
-              </a:cxn>
-              <a:cxn ang="0">
-                <a:pos x="connsiteX6" y="connsiteY6"/>
-              </a:cxn>
-            </a:cxnLst>
-            <a:rect l="l" t="t" r="r" b="b"/>
-            <a:pathLst>
-              <a:path w="7684518" h="12122634">
-                <a:moveTo>
-                  <a:pt x="2031863" y="0"/>
-                </a:moveTo>
-                <a:cubicBezTo>
-                  <a:pt x="1329239" y="497774"/>
-                  <a:pt x="626616" y="995548"/>
-                  <a:pt x="559323" y="1900052"/>
-                </a:cubicBezTo>
-                <a:cubicBezTo>
-                  <a:pt x="492030" y="2804556"/>
-                  <a:pt x="1709250" y="3808021"/>
-                  <a:pt x="1628102" y="5427024"/>
-                </a:cubicBezTo>
-                <a:cubicBezTo>
-                  <a:pt x="1546954" y="7046027"/>
-                  <a:pt x="-394661" y="10598728"/>
-                  <a:pt x="72435" y="11614068"/>
-                </a:cubicBezTo>
-                <a:cubicBezTo>
-                  <a:pt x="539531" y="12629408"/>
-                  <a:pt x="3868580" y="11869387"/>
-                  <a:pt x="4430679" y="11519065"/>
-                </a:cubicBezTo>
-                <a:cubicBezTo>
-                  <a:pt x="4992778" y="11168743"/>
-                  <a:pt x="2902721" y="10343409"/>
-                  <a:pt x="3445027" y="9512136"/>
-                </a:cubicBezTo>
-                <a:cubicBezTo>
-                  <a:pt x="3987333" y="8680863"/>
-                  <a:pt x="6647406" y="7020297"/>
-                  <a:pt x="7684518" y="6531429"/>
-                </a:cubicBezTo>
-              </a:path>
-            </a:pathLst>
-          </a:custGeom>
+          </a:prstGeom>
           <a:noFill/>
-          <a:ln w="76200">
-            <a:solidFill>
-              <a:srgbClr val="F6AF34">
-                <a:alpha val="50196"/>
-              </a:srgbClr>
-            </a:solidFill>
-          </a:ln>
-        </p:spPr>
-        <p:style>
-          <a:lnRef idx="2">
-            <a:schemeClr val="accent1">
-              <a:shade val="50000"/>
-            </a:schemeClr>
-          </a:lnRef>
-          <a:fillRef idx="1">
-            <a:schemeClr val="accent1"/>
-          </a:fillRef>
-          <a:effectRef idx="0">
-            <a:schemeClr val="accent1"/>
-          </a:effectRef>
-          <a:fontRef idx="minor">
-            <a:schemeClr val="lt1"/>
-          </a:fontRef>
-        </p:style>
-        <p:txBody>
-          <a:bodyPr rtlCol="0" anchor="ctr"/>
-          <a:lstStyle/>
-          <a:p>
-            <a:pPr algn="ctr"/>
-            <a:endParaRPr lang="fr-FR"/>
-          </a:p>
-        </p:txBody>
-      </p:sp>
+          <a:extLst>
+            <a:ext uri="{909E8E84-426E-40DD-AFC4-6F175D3DCCD1}">
+              <a14:hiddenFill xmlns:a14="http://schemas.microsoft.com/office/drawing/2010/main">
+                <a:solidFill>
+                  <a:srgbClr val="FFFFFF"/>
+                </a:solidFill>
+              </a14:hiddenFill>
+            </a:ext>
+          </a:extLst>
+        </p:spPr>
+      </p:pic>
       <p:sp>
         <p:nvSpPr>
           <p:cNvPr id="19" name="ZoneTexte 18">
@@ -5093,8 +5334,8 @@
         </p:nvSpPr>
         <p:spPr>
           <a:xfrm rot="21237303">
-            <a:off x="960080" y="969022"/>
-            <a:ext cx="4203267" cy="923330"/>
+            <a:off x="1081983" y="1535580"/>
+            <a:ext cx="5395708" cy="1015663"/>
           </a:xfrm>
           <a:prstGeom prst="rect">
             <a:avLst/>
@@ -5125,20 +5366,14 @@
               </a:spcAft>
             </a:pPr>
             <a:r>
-              <a:rPr lang="fr-FR" sz="5400" dirty="0" err="1">
+              <a:rPr lang="fr-FR" sz="6000" dirty="0">
                 <a:solidFill>
                   <a:schemeClr val="bg1"/>
                 </a:solidFill>
                 <a:latin typeface="Lexend"/>
               </a:rPr>
-              <a:t>Mister-Bioinfo</a:t>
-            </a:r>
-            <a:endParaRPr lang="fr-FR" sz="5400" dirty="0">
-              <a:solidFill>
-                <a:schemeClr val="bg1"/>
-              </a:solidFill>
-              <a:latin typeface="Lexend"/>
-            </a:endParaRPr>
+              <a:t> Buffet Normand</a:t>
+            </a:r>
           </a:p>
         </p:txBody>
       </p:sp>
@@ -5157,7 +5392,7 @@
           <p:nvPr/>
         </p:nvPicPr>
         <p:blipFill>
-          <a:blip r:embed="rId2">
+          <a:blip r:embed="rId3">
             <a:extLst>
               <a:ext uri="{28A0092B-C50C-407E-A947-70E740481C1C}">
                 <a14:useLocalDpi xmlns:a14="http://schemas.microsoft.com/office/drawing/2010/main" val="0"/>
@@ -5170,7 +5405,7 @@
         </p:blipFill>
         <p:spPr>
           <a:xfrm>
-            <a:off x="5278925" y="208670"/>
+            <a:off x="5244417" y="2341968"/>
             <a:ext cx="2020358" cy="2020358"/>
           </a:xfrm>
           <a:prstGeom prst="rect">
@@ -5178,235 +5413,124 @@
           </a:prstGeom>
         </p:spPr>
       </p:pic>
-      <p:sp>
-        <p:nvSpPr>
-          <p:cNvPr id="3" name="Rectangle 2">
+      <p:pic>
+        <p:nvPicPr>
+          <p:cNvPr id="9" name="Image 8">
             <a:extLst>
               <a:ext uri="{FF2B5EF4-FFF2-40B4-BE49-F238E27FC236}">
-                <a16:creationId xmlns:a16="http://schemas.microsoft.com/office/drawing/2014/main" id="{BC544441-A515-4D95-B6FC-F7FA3CB67FFE}"/>
+                <a16:creationId xmlns:a16="http://schemas.microsoft.com/office/drawing/2014/main" id="{32E40A88-83C9-405D-903F-80B010548501}"/>
               </a:ext>
             </a:extLst>
           </p:cNvPr>
-          <p:cNvSpPr/>
+          <p:cNvPicPr>
+            <a:picLocks noChangeAspect="1"/>
+          </p:cNvPicPr>
           <p:nvPr/>
-        </p:nvSpPr>
+        </p:nvPicPr>
+        <p:blipFill>
+          <a:blip r:embed="rId4">
+            <a:extLst>
+              <a:ext uri="{28A0092B-C50C-407E-A947-70E740481C1C}">
+                <a14:useLocalDpi xmlns:a14="http://schemas.microsoft.com/office/drawing/2010/main" val="0"/>
+              </a:ext>
+            </a:extLst>
+          </a:blip>
+          <a:stretch>
+            <a:fillRect/>
+          </a:stretch>
+        </p:blipFill>
         <p:spPr>
           <a:xfrm>
-            <a:off x="471859" y="2513224"/>
-            <a:ext cx="6827424" cy="1815353"/>
+            <a:off x="144381" y="111933"/>
+            <a:ext cx="3282216" cy="536095"/>
           </a:xfrm>
           <a:prstGeom prst="rect">
             <a:avLst/>
           </a:prstGeom>
-          <a:solidFill>
-            <a:srgbClr val="017F82"/>
-          </a:solidFill>
-          <a:ln>
-            <a:noFill/>
-          </a:ln>
-          <a:effectLst>
-            <a:outerShdw blurRad="165100" dist="38100" dir="2700000" sx="101000" sy="101000" algn="tl" rotWithShape="0">
-              <a:prstClr val="black">
-                <a:alpha val="40000"/>
-              </a:prstClr>
-            </a:outerShdw>
-          </a:effectLst>
-        </p:spPr>
-        <p:style>
-          <a:lnRef idx="2">
-            <a:schemeClr val="accent1">
-              <a:shade val="50000"/>
-            </a:schemeClr>
-          </a:lnRef>
-          <a:fillRef idx="1">
-            <a:schemeClr val="accent1"/>
-          </a:fillRef>
-          <a:effectRef idx="0">
-            <a:schemeClr val="accent1"/>
-          </a:effectRef>
-          <a:fontRef idx="minor">
-            <a:schemeClr val="lt1"/>
-          </a:fontRef>
-        </p:style>
-        <p:txBody>
-          <a:bodyPr rtlCol="0" anchor="ctr"/>
-          <a:lstStyle/>
-          <a:p>
-            <a:pPr algn="ctr"/>
-            <a:r>
-              <a:rPr lang="fr-FR" dirty="0"/>
-              <a:t>On distribue les cartes :</a:t>
-            </a:r>
-          </a:p>
-          <a:p>
-            <a:pPr algn="ctr"/>
-            <a:endParaRPr lang="fr-FR" dirty="0"/>
-          </a:p>
-          <a:p>
-            <a:pPr marL="285750" indent="-285750">
-              <a:buFont typeface="Arial" panose="020B0604020202020204" pitchFamily="34" charset="0"/>
-              <a:buChar char="•"/>
-            </a:pPr>
-            <a:r>
-              <a:rPr lang="fr-FR" dirty="0"/>
-              <a:t>La majorité reçoit un mot commun</a:t>
-            </a:r>
-          </a:p>
-          <a:p>
-            <a:pPr marL="285750" indent="-285750">
-              <a:buFont typeface="Arial" panose="020B0604020202020204" pitchFamily="34" charset="0"/>
-              <a:buChar char="•"/>
-            </a:pPr>
-            <a:r>
-              <a:rPr lang="fr-FR" dirty="0"/>
-              <a:t>Un des joueurs est </a:t>
-            </a:r>
-            <a:r>
-              <a:rPr lang="fr-FR" b="1" dirty="0"/>
-              <a:t>l’imposteur</a:t>
-            </a:r>
-            <a:r>
-              <a:rPr lang="fr-FR" dirty="0"/>
-              <a:t> il reçoit un mot légèrement différent</a:t>
-            </a:r>
-          </a:p>
-          <a:p>
-            <a:pPr marL="285750" indent="-285750">
-              <a:buFont typeface="Arial" panose="020B0604020202020204" pitchFamily="34" charset="0"/>
-              <a:buChar char="•"/>
-            </a:pPr>
-            <a:r>
-              <a:rPr lang="fr-FR" dirty="0"/>
-              <a:t>Un joueur reçois une carte vide, c’est </a:t>
-            </a:r>
-            <a:r>
-              <a:rPr lang="fr-FR" b="1" dirty="0" err="1"/>
-              <a:t>Mister-Bioinfo</a:t>
-            </a:r>
-            <a:endParaRPr lang="fr-FR" b="1" dirty="0"/>
-          </a:p>
-        </p:txBody>
-      </p:sp>
-      <p:sp>
-        <p:nvSpPr>
-          <p:cNvPr id="8" name="Rectangle 7">
+        </p:spPr>
+      </p:pic>
+      <p:pic>
+        <p:nvPicPr>
+          <p:cNvPr id="10" name="Graphique 9">
             <a:extLst>
               <a:ext uri="{FF2B5EF4-FFF2-40B4-BE49-F238E27FC236}">
-                <a16:creationId xmlns:a16="http://schemas.microsoft.com/office/drawing/2014/main" id="{78C438E0-4962-4108-90F1-074FB9E55B32}"/>
+                <a16:creationId xmlns:a16="http://schemas.microsoft.com/office/drawing/2014/main" id="{65CD552B-7042-47DB-BB58-2F67AF8CDD3B}"/>
               </a:ext>
             </a:extLst>
           </p:cNvPr>
-          <p:cNvSpPr/>
+          <p:cNvPicPr>
+            <a:picLocks noChangeAspect="1"/>
+          </p:cNvPicPr>
           <p:nvPr/>
-        </p:nvSpPr>
-        <p:spPr>
-          <a:xfrm>
-            <a:off x="430306" y="4733566"/>
-            <a:ext cx="6024282" cy="4558352"/>
+        </p:nvPicPr>
+        <p:blipFill>
+          <a:blip r:embed="rId5">
+            <a:extLst>
+              <a:ext uri="{28A0092B-C50C-407E-A947-70E740481C1C}">
+                <a14:useLocalDpi xmlns:a14="http://schemas.microsoft.com/office/drawing/2010/main" val="0"/>
+              </a:ext>
+              <a:ext uri="{96DAC541-7B7A-43D3-8B79-37D633B846F1}">
+                <asvg:svgBlip xmlns:asvg="http://schemas.microsoft.com/office/drawing/2016/SVG/main" r:embed="rId6"/>
+              </a:ext>
+            </a:extLst>
+          </a:blip>
+          <a:stretch>
+            <a:fillRect/>
+          </a:stretch>
+        </p:blipFill>
+        <p:spPr>
+          <a:xfrm flipH="1">
+            <a:off x="1543083" y="3352147"/>
+            <a:ext cx="4473507" cy="4473507"/>
           </a:xfrm>
           <a:prstGeom prst="rect">
             <a:avLst/>
           </a:prstGeom>
-          <a:solidFill>
-            <a:srgbClr val="017F82"/>
-          </a:solidFill>
-          <a:ln>
-            <a:noFill/>
-          </a:ln>
-          <a:effectLst>
-            <a:outerShdw blurRad="165100" dist="38100" dir="2700000" sx="101000" sy="101000" algn="tl" rotWithShape="0">
-              <a:prstClr val="black">
-                <a:alpha val="40000"/>
-              </a:prstClr>
-            </a:outerShdw>
-          </a:effectLst>
-        </p:spPr>
-        <p:style>
-          <a:lnRef idx="2">
-            <a:schemeClr val="accent1">
-              <a:shade val="50000"/>
-            </a:schemeClr>
-          </a:lnRef>
-          <a:fillRef idx="1">
-            <a:schemeClr val="accent1"/>
-          </a:fillRef>
-          <a:effectRef idx="0">
-            <a:schemeClr val="accent1"/>
-          </a:effectRef>
-          <a:fontRef idx="minor">
-            <a:schemeClr val="lt1"/>
-          </a:fontRef>
-        </p:style>
-        <p:txBody>
-          <a:bodyPr rtlCol="0" anchor="ctr"/>
-          <a:lstStyle/>
-          <a:p>
-            <a:pPr algn="ctr"/>
-            <a:r>
-              <a:rPr lang="fr-FR" dirty="0"/>
-              <a:t>Joueurs avec le mot commun : Identifier </a:t>
-            </a:r>
-            <a:r>
-              <a:rPr lang="fr-FR" dirty="0" err="1"/>
-              <a:t>Mister</a:t>
-            </a:r>
-            <a:r>
-              <a:rPr lang="fr-FR" dirty="0"/>
-              <a:t> White et l’imposteur tout en protégeant le mot commun .Imposteur : Passer pour un joueur ayant le mot commun et faire accuser quelqu'un d'autre .</a:t>
-            </a:r>
-            <a:r>
-              <a:rPr lang="fr-FR" dirty="0" err="1"/>
-              <a:t>Mister</a:t>
-            </a:r>
-            <a:r>
-              <a:rPr lang="fr-FR" dirty="0"/>
-              <a:t> White : Déduire le mot commun et éviter d’être démasqué.</a:t>
-            </a:r>
-          </a:p>
-          <a:p>
-            <a:pPr algn="ctr"/>
-            <a:endParaRPr lang="fr-FR" dirty="0"/>
-          </a:p>
-          <a:p>
-            <a:pPr algn="ctr"/>
-            <a:r>
-              <a:rPr lang="fr-FR" dirty="0"/>
-              <a:t>Chaque joueur donne un indice lié à son mot (</a:t>
-            </a:r>
-            <a:r>
-              <a:rPr lang="fr-FR" dirty="0" err="1"/>
-              <a:t>Mister</a:t>
-            </a:r>
-            <a:r>
-              <a:rPr lang="fr-FR" dirty="0"/>
-              <a:t> White improvise pour ne pas se faire remarquer).</a:t>
-            </a:r>
-          </a:p>
-          <a:p>
-            <a:pPr algn="ctr"/>
-            <a:endParaRPr lang="fr-FR" dirty="0"/>
-          </a:p>
-          <a:p>
-            <a:pPr algn="ctr"/>
-            <a:r>
-              <a:rPr lang="fr-FR" dirty="0"/>
-              <a:t>À la fin des discussions, les joueurs votent pour désigner </a:t>
-            </a:r>
-            <a:r>
-              <a:rPr lang="fr-FR" dirty="0" err="1"/>
-              <a:t>Mister</a:t>
-            </a:r>
-            <a:r>
-              <a:rPr lang="fr-FR" dirty="0"/>
-              <a:t> White et/ou l’imposteur.</a:t>
-            </a:r>
-          </a:p>
-        </p:txBody>
-      </p:sp>
+        </p:spPr>
+      </p:pic>
+      <p:pic>
+        <p:nvPicPr>
+          <p:cNvPr id="3" name="Graphique 2" descr="Pomme avec un remplissage uni">
+            <a:extLst>
+              <a:ext uri="{FF2B5EF4-FFF2-40B4-BE49-F238E27FC236}">
+                <a16:creationId xmlns:a16="http://schemas.microsoft.com/office/drawing/2014/main" id="{5D4B8634-F481-4363-86E4-716B093B3EC8}"/>
+              </a:ext>
+            </a:extLst>
+          </p:cNvPr>
+          <p:cNvPicPr>
+            <a:picLocks noChangeAspect="1"/>
+          </p:cNvPicPr>
+          <p:nvPr/>
+        </p:nvPicPr>
+        <p:blipFill>
+          <a:blip r:embed="rId7">
+            <a:extLst>
+              <a:ext uri="{28A0092B-C50C-407E-A947-70E740481C1C}">
+                <a14:useLocalDpi xmlns:a14="http://schemas.microsoft.com/office/drawing/2010/main" val="0"/>
+              </a:ext>
+              <a:ext uri="{96DAC541-7B7A-43D3-8B79-37D633B846F1}">
+                <asvg:svgBlip xmlns:asvg="http://schemas.microsoft.com/office/drawing/2016/SVG/main" r:embed="rId8"/>
+              </a:ext>
+            </a:extLst>
+          </a:blip>
+          <a:stretch>
+            <a:fillRect/>
+          </a:stretch>
+        </p:blipFill>
+        <p:spPr>
+          <a:xfrm rot="17500550">
+            <a:off x="1356054" y="3270473"/>
+            <a:ext cx="1737858" cy="1737858"/>
+          </a:xfrm>
+          <a:prstGeom prst="rect">
+            <a:avLst/>
+          </a:prstGeom>
+        </p:spPr>
+      </p:pic>
     </p:spTree>
     <p:extLst>
       <p:ext uri="{BB962C8B-B14F-4D97-AF65-F5344CB8AC3E}">
-        <p14:creationId xmlns:p14="http://schemas.microsoft.com/office/powerpoint/2010/main" val="3149102615"/>
+        <p14:creationId xmlns:p14="http://schemas.microsoft.com/office/powerpoint/2010/main" val="2680233770"/>
       </p:ext>
     </p:extLst>
   </p:cSld>

--- a/src/print_A3.pptx
+++ b/src/print_A3.pptx
@@ -249,7 +249,7 @@
           <a:p>
             <a:fld id="{666437CF-6810-4A08-BF63-137A709DEE82}" type="datetimeFigureOut">
               <a:rPr lang="fr-FR" smtClean="0"/>
-              <a:t>17/12/2024</a:t>
+              <a:t>18/12/2024</a:t>
             </a:fld>
             <a:endParaRPr lang="fr-FR"/>
           </a:p>
@@ -419,7 +419,7 @@
           <a:p>
             <a:fld id="{666437CF-6810-4A08-BF63-137A709DEE82}" type="datetimeFigureOut">
               <a:rPr lang="fr-FR" smtClean="0"/>
-              <a:t>17/12/2024</a:t>
+              <a:t>18/12/2024</a:t>
             </a:fld>
             <a:endParaRPr lang="fr-FR"/>
           </a:p>
@@ -599,7 +599,7 @@
           <a:p>
             <a:fld id="{666437CF-6810-4A08-BF63-137A709DEE82}" type="datetimeFigureOut">
               <a:rPr lang="fr-FR" smtClean="0"/>
-              <a:t>17/12/2024</a:t>
+              <a:t>18/12/2024</a:t>
             </a:fld>
             <a:endParaRPr lang="fr-FR"/>
           </a:p>
@@ -769,7 +769,7 @@
           <a:p>
             <a:fld id="{666437CF-6810-4A08-BF63-137A709DEE82}" type="datetimeFigureOut">
               <a:rPr lang="fr-FR" smtClean="0"/>
-              <a:t>17/12/2024</a:t>
+              <a:t>18/12/2024</a:t>
             </a:fld>
             <a:endParaRPr lang="fr-FR"/>
           </a:p>
@@ -1013,7 +1013,7 @@
           <a:p>
             <a:fld id="{666437CF-6810-4A08-BF63-137A709DEE82}" type="datetimeFigureOut">
               <a:rPr lang="fr-FR" smtClean="0"/>
-              <a:t>17/12/2024</a:t>
+              <a:t>18/12/2024</a:t>
             </a:fld>
             <a:endParaRPr lang="fr-FR"/>
           </a:p>
@@ -1245,7 +1245,7 @@
           <a:p>
             <a:fld id="{666437CF-6810-4A08-BF63-137A709DEE82}" type="datetimeFigureOut">
               <a:rPr lang="fr-FR" smtClean="0"/>
-              <a:t>17/12/2024</a:t>
+              <a:t>18/12/2024</a:t>
             </a:fld>
             <a:endParaRPr lang="fr-FR"/>
           </a:p>
@@ -1612,7 +1612,7 @@
           <a:p>
             <a:fld id="{666437CF-6810-4A08-BF63-137A709DEE82}" type="datetimeFigureOut">
               <a:rPr lang="fr-FR" smtClean="0"/>
-              <a:t>17/12/2024</a:t>
+              <a:t>18/12/2024</a:t>
             </a:fld>
             <a:endParaRPr lang="fr-FR"/>
           </a:p>
@@ -1730,7 +1730,7 @@
           <a:p>
             <a:fld id="{666437CF-6810-4A08-BF63-137A709DEE82}" type="datetimeFigureOut">
               <a:rPr lang="fr-FR" smtClean="0"/>
-              <a:t>17/12/2024</a:t>
+              <a:t>18/12/2024</a:t>
             </a:fld>
             <a:endParaRPr lang="fr-FR"/>
           </a:p>
@@ -1825,7 +1825,7 @@
           <a:p>
             <a:fld id="{666437CF-6810-4A08-BF63-137A709DEE82}" type="datetimeFigureOut">
               <a:rPr lang="fr-FR" smtClean="0"/>
-              <a:t>17/12/2024</a:t>
+              <a:t>18/12/2024</a:t>
             </a:fld>
             <a:endParaRPr lang="fr-FR"/>
           </a:p>
@@ -2102,7 +2102,7 @@
           <a:p>
             <a:fld id="{666437CF-6810-4A08-BF63-137A709DEE82}" type="datetimeFigureOut">
               <a:rPr lang="fr-FR" smtClean="0"/>
-              <a:t>17/12/2024</a:t>
+              <a:t>18/12/2024</a:t>
             </a:fld>
             <a:endParaRPr lang="fr-FR"/>
           </a:p>
@@ -2359,7 +2359,7 @@
           <a:p>
             <a:fld id="{666437CF-6810-4A08-BF63-137A709DEE82}" type="datetimeFigureOut">
               <a:rPr lang="fr-FR" smtClean="0"/>
-              <a:t>17/12/2024</a:t>
+              <a:t>18/12/2024</a:t>
             </a:fld>
             <a:endParaRPr lang="fr-FR"/>
           </a:p>
@@ -2572,7 +2572,7 @@
           <a:p>
             <a:fld id="{666437CF-6810-4A08-BF63-137A709DEE82}" type="datetimeFigureOut">
               <a:rPr lang="fr-FR" smtClean="0"/>
-              <a:t>17/12/2024</a:t>
+              <a:t>18/12/2024</a:t>
             </a:fld>
             <a:endParaRPr lang="fr-FR"/>
           </a:p>
@@ -5161,7 +5161,7 @@
                 </a:solidFill>
                 <a:latin typeface="Lexend"/>
               </a:rPr>
-              <a:t>Objectif : Construire cette forme </a:t>
+              <a:t>Objectif: Construire cette forme </a:t>
             </a:r>
           </a:p>
         </p:txBody>
